--- a/Classes/20221009.pptx
+++ b/Classes/20221009.pptx
@@ -5,24 +5,25 @@
     <p:sldMasterId id="2147483648" r:id="rId1"/>
   </p:sldMasterIdLst>
   <p:notesMasterIdLst>
-    <p:notesMasterId r:id="rId14"/>
+    <p:notesMasterId r:id="rId15"/>
   </p:notesMasterIdLst>
   <p:handoutMasterIdLst>
-    <p:handoutMasterId r:id="rId15"/>
+    <p:handoutMasterId r:id="rId16"/>
   </p:handoutMasterIdLst>
   <p:sldIdLst>
-    <p:sldId id="1801" r:id="rId2"/>
-    <p:sldId id="256" r:id="rId3"/>
-    <p:sldId id="1805" r:id="rId4"/>
-    <p:sldId id="1803" r:id="rId5"/>
-    <p:sldId id="1725" r:id="rId6"/>
-    <p:sldId id="1760" r:id="rId7"/>
-    <p:sldId id="1777" r:id="rId8"/>
-    <p:sldId id="1775" r:id="rId9"/>
-    <p:sldId id="1797" r:id="rId10"/>
-    <p:sldId id="1804" r:id="rId11"/>
-    <p:sldId id="1802" r:id="rId12"/>
-    <p:sldId id="1806" r:id="rId13"/>
+    <p:sldId id="1807" r:id="rId2"/>
+    <p:sldId id="1801" r:id="rId3"/>
+    <p:sldId id="256" r:id="rId4"/>
+    <p:sldId id="1805" r:id="rId5"/>
+    <p:sldId id="1803" r:id="rId6"/>
+    <p:sldId id="1725" r:id="rId7"/>
+    <p:sldId id="1760" r:id="rId8"/>
+    <p:sldId id="1777" r:id="rId9"/>
+    <p:sldId id="1775" r:id="rId10"/>
+    <p:sldId id="1797" r:id="rId11"/>
+    <p:sldId id="1804" r:id="rId12"/>
+    <p:sldId id="1802" r:id="rId13"/>
+    <p:sldId id="1806" r:id="rId14"/>
   </p:sldIdLst>
   <p:sldSz cx="9144000" cy="6858000" type="screen4x3"/>
   <p:notesSz cx="6918325" cy="9204325"/>
@@ -1370,7 +1371,7 @@
             <a:fld id="{BC692357-ED53-4B4C-AA76-0BACF0897969}" type="slidenum">
               <a:rPr lang="en-US" altLang="en-US" sz="1200" b="0" smtClean="0"/>
               <a:pPr/>
-              <a:t>7</a:t>
+              <a:t>1</a:t>
             </a:fld>
             <a:endParaRPr lang="en-US" altLang="en-US" sz="1200" b="0"/>
           </a:p>
@@ -1379,7 +1380,7 @@
     </p:spTree>
     <p:extLst>
       <p:ext uri="{BB962C8B-B14F-4D97-AF65-F5344CB8AC3E}">
-        <p14:creationId xmlns:p14="http://schemas.microsoft.com/office/powerpoint/2010/main" val="3161960891"/>
+        <p14:creationId xmlns:p14="http://schemas.microsoft.com/office/powerpoint/2010/main" val="2144406126"/>
       </p:ext>
     </p:extLst>
   </p:cSld>
@@ -1587,7 +1588,7 @@
     </p:spTree>
     <p:extLst>
       <p:ext uri="{BB962C8B-B14F-4D97-AF65-F5344CB8AC3E}">
-        <p14:creationId xmlns:p14="http://schemas.microsoft.com/office/powerpoint/2010/main" val="2226220825"/>
+        <p14:creationId xmlns:p14="http://schemas.microsoft.com/office/powerpoint/2010/main" val="3161960891"/>
       </p:ext>
     </p:extLst>
   </p:cSld>
@@ -1786,7 +1787,7 @@
             <a:fld id="{BC692357-ED53-4B4C-AA76-0BACF0897969}" type="slidenum">
               <a:rPr lang="en-US" altLang="en-US" sz="1200" b="0" smtClean="0"/>
               <a:pPr/>
-              <a:t>11</a:t>
+              <a:t>9</a:t>
             </a:fld>
             <a:endParaRPr lang="en-US" altLang="en-US" sz="1200" b="0"/>
           </a:p>
@@ -1795,7 +1796,7 @@
     </p:spTree>
     <p:extLst>
       <p:ext uri="{BB962C8B-B14F-4D97-AF65-F5344CB8AC3E}">
-        <p14:creationId xmlns:p14="http://schemas.microsoft.com/office/powerpoint/2010/main" val="708745062"/>
+        <p14:creationId xmlns:p14="http://schemas.microsoft.com/office/powerpoint/2010/main" val="2226220825"/>
       </p:ext>
     </p:extLst>
   </p:cSld>
@@ -1995,6 +1996,214 @@
               <a:rPr lang="en-US" altLang="en-US" sz="1200" b="0" smtClean="0"/>
               <a:pPr/>
               <a:t>12</a:t>
+            </a:fld>
+            <a:endParaRPr lang="en-US" altLang="en-US" sz="1200" b="0"/>
+          </a:p>
+        </p:txBody>
+      </p:sp>
+    </p:spTree>
+    <p:extLst>
+      <p:ext uri="{BB962C8B-B14F-4D97-AF65-F5344CB8AC3E}">
+        <p14:creationId xmlns:p14="http://schemas.microsoft.com/office/powerpoint/2010/main" val="708745062"/>
+      </p:ext>
+    </p:extLst>
+  </p:cSld>
+  <p:clrMapOvr>
+    <a:masterClrMapping/>
+  </p:clrMapOvr>
+</p:notes>
+</file>
+
+<file path=ppt/notesSlides/notesSlide5.xml><?xml version="1.0" encoding="utf-8"?>
+<p:notes xmlns:a="http://schemas.openxmlformats.org/drawingml/2006/main" xmlns:r="http://schemas.openxmlformats.org/officeDocument/2006/relationships" xmlns:p="http://schemas.openxmlformats.org/presentationml/2006/main">
+  <p:cSld>
+    <p:spTree>
+      <p:nvGrpSpPr>
+        <p:cNvPr id="1" name=""/>
+        <p:cNvGrpSpPr/>
+        <p:nvPr/>
+      </p:nvGrpSpPr>
+      <p:grpSpPr>
+        <a:xfrm>
+          <a:off x="0" y="0"/>
+          <a:ext cx="0" cy="0"/>
+          <a:chOff x="0" y="0"/>
+          <a:chExt cx="0" cy="0"/>
+        </a:xfrm>
+      </p:grpSpPr>
+      <p:sp>
+        <p:nvSpPr>
+          <p:cNvPr id="106498" name="Slide Image Placeholder 1">
+            <a:extLst>
+              <a:ext uri="{FF2B5EF4-FFF2-40B4-BE49-F238E27FC236}">
+                <a16:creationId xmlns:a16="http://schemas.microsoft.com/office/drawing/2014/main" id="{A9E893DF-A47F-4D58-AE48-443164D96B04}"/>
+              </a:ext>
+            </a:extLst>
+          </p:cNvPr>
+          <p:cNvSpPr>
+            <a:spLocks noGrp="1" noRot="1" noChangeAspect="1" noTextEdit="1"/>
+          </p:cNvSpPr>
+          <p:nvPr>
+            <p:ph type="sldImg"/>
+          </p:nvPr>
+        </p:nvSpPr>
+        <p:spPr>
+          <a:ln/>
+        </p:spPr>
+      </p:sp>
+      <p:sp>
+        <p:nvSpPr>
+          <p:cNvPr id="62467" name="Notes Placeholder 2">
+            <a:extLst>
+              <a:ext uri="{FF2B5EF4-FFF2-40B4-BE49-F238E27FC236}">
+                <a16:creationId xmlns:a16="http://schemas.microsoft.com/office/drawing/2014/main" id="{4C269B97-F3AD-4E3C-BFCD-9C7401D9E02D}"/>
+              </a:ext>
+            </a:extLst>
+          </p:cNvPr>
+          <p:cNvSpPr>
+            <a:spLocks noGrp="1" noChangeArrowheads="1"/>
+          </p:cNvSpPr>
+          <p:nvPr>
+            <p:ph type="body" idx="1"/>
+          </p:nvPr>
+        </p:nvSpPr>
+        <p:spPr>
+          <a:noFill/>
+        </p:spPr>
+        <p:txBody>
+          <a:bodyPr/>
+          <a:lstStyle/>
+          <a:p>
+            <a:endParaRPr lang="en-US" altLang="en-US">
+              <a:latin typeface="Arial" panose="020B0604020202020204" pitchFamily="34" charset="0"/>
+            </a:endParaRPr>
+          </a:p>
+        </p:txBody>
+      </p:sp>
+      <p:sp>
+        <p:nvSpPr>
+          <p:cNvPr id="62468" name="Slide Number Placeholder 3">
+            <a:extLst>
+              <a:ext uri="{FF2B5EF4-FFF2-40B4-BE49-F238E27FC236}">
+                <a16:creationId xmlns:a16="http://schemas.microsoft.com/office/drawing/2014/main" id="{7025833E-DAE3-4046-A26D-FA7F5CDEDDE0}"/>
+              </a:ext>
+            </a:extLst>
+          </p:cNvPr>
+          <p:cNvSpPr>
+            <a:spLocks noGrp="1"/>
+          </p:cNvSpPr>
+          <p:nvPr>
+            <p:ph type="sldNum" sz="quarter" idx="5"/>
+          </p:nvPr>
+        </p:nvSpPr>
+        <p:spPr>
+          <a:noFill/>
+        </p:spPr>
+        <p:txBody>
+          <a:bodyPr/>
+          <a:lstStyle>
+            <a:lvl1pPr defTabSz="920750">
+              <a:defRPr sz="2000" b="1">
+                <a:solidFill>
+                  <a:schemeClr val="tx1"/>
+                </a:solidFill>
+                <a:latin typeface="Arial" panose="020B0604020202020204" pitchFamily="34" charset="0"/>
+              </a:defRPr>
+            </a:lvl1pPr>
+            <a:lvl2pPr marL="742950" indent="-285750" defTabSz="920750">
+              <a:defRPr sz="2000" b="1">
+                <a:solidFill>
+                  <a:schemeClr val="tx1"/>
+                </a:solidFill>
+                <a:latin typeface="Arial" panose="020B0604020202020204" pitchFamily="34" charset="0"/>
+              </a:defRPr>
+            </a:lvl2pPr>
+            <a:lvl3pPr marL="1143000" indent="-228600" defTabSz="920750">
+              <a:defRPr sz="2000" b="1">
+                <a:solidFill>
+                  <a:schemeClr val="tx1"/>
+                </a:solidFill>
+                <a:latin typeface="Arial" panose="020B0604020202020204" pitchFamily="34" charset="0"/>
+              </a:defRPr>
+            </a:lvl3pPr>
+            <a:lvl4pPr marL="1600200" indent="-228600" defTabSz="920750">
+              <a:defRPr sz="2000" b="1">
+                <a:solidFill>
+                  <a:schemeClr val="tx1"/>
+                </a:solidFill>
+                <a:latin typeface="Arial" panose="020B0604020202020204" pitchFamily="34" charset="0"/>
+              </a:defRPr>
+            </a:lvl4pPr>
+            <a:lvl5pPr marL="2057400" indent="-228600" defTabSz="920750">
+              <a:defRPr sz="2000" b="1">
+                <a:solidFill>
+                  <a:schemeClr val="tx1"/>
+                </a:solidFill>
+                <a:latin typeface="Arial" panose="020B0604020202020204" pitchFamily="34" charset="0"/>
+              </a:defRPr>
+            </a:lvl5pPr>
+            <a:lvl6pPr marL="2514600" indent="-228600" defTabSz="920750" eaLnBrk="0" fontAlgn="base" hangingPunct="0">
+              <a:spcBef>
+                <a:spcPct val="0"/>
+              </a:spcBef>
+              <a:spcAft>
+                <a:spcPct val="0"/>
+              </a:spcAft>
+              <a:defRPr sz="2000" b="1">
+                <a:solidFill>
+                  <a:schemeClr val="tx1"/>
+                </a:solidFill>
+                <a:latin typeface="Arial" panose="020B0604020202020204" pitchFamily="34" charset="0"/>
+              </a:defRPr>
+            </a:lvl6pPr>
+            <a:lvl7pPr marL="2971800" indent="-228600" defTabSz="920750" eaLnBrk="0" fontAlgn="base" hangingPunct="0">
+              <a:spcBef>
+                <a:spcPct val="0"/>
+              </a:spcBef>
+              <a:spcAft>
+                <a:spcPct val="0"/>
+              </a:spcAft>
+              <a:defRPr sz="2000" b="1">
+                <a:solidFill>
+                  <a:schemeClr val="tx1"/>
+                </a:solidFill>
+                <a:latin typeface="Arial" panose="020B0604020202020204" pitchFamily="34" charset="0"/>
+              </a:defRPr>
+            </a:lvl7pPr>
+            <a:lvl8pPr marL="3429000" indent="-228600" defTabSz="920750" eaLnBrk="0" fontAlgn="base" hangingPunct="0">
+              <a:spcBef>
+                <a:spcPct val="0"/>
+              </a:spcBef>
+              <a:spcAft>
+                <a:spcPct val="0"/>
+              </a:spcAft>
+              <a:defRPr sz="2000" b="1">
+                <a:solidFill>
+                  <a:schemeClr val="tx1"/>
+                </a:solidFill>
+                <a:latin typeface="Arial" panose="020B0604020202020204" pitchFamily="34" charset="0"/>
+              </a:defRPr>
+            </a:lvl8pPr>
+            <a:lvl9pPr marL="3886200" indent="-228600" defTabSz="920750" eaLnBrk="0" fontAlgn="base" hangingPunct="0">
+              <a:spcBef>
+                <a:spcPct val="0"/>
+              </a:spcBef>
+              <a:spcAft>
+                <a:spcPct val="0"/>
+              </a:spcAft>
+              <a:defRPr sz="2000" b="1">
+                <a:solidFill>
+                  <a:schemeClr val="tx1"/>
+                </a:solidFill>
+                <a:latin typeface="Arial" panose="020B0604020202020204" pitchFamily="34" charset="0"/>
+              </a:defRPr>
+            </a:lvl9pPr>
+          </a:lstStyle>
+          <a:p>
+            <a:fld id="{BC692357-ED53-4B4C-AA76-0BACF0897969}" type="slidenum">
+              <a:rPr lang="en-US" altLang="en-US" sz="1200" b="0" smtClean="0"/>
+              <a:pPr/>
+              <a:t>13</a:t>
             </a:fld>
             <a:endParaRPr lang="en-US" altLang="en-US" sz="1200" b="0"/>
           </a:p>
@@ -4494,6 +4703,1473 @@
       </p:grpSpPr>
       <p:sp>
         <p:nvSpPr>
+          <p:cNvPr id="61442" name="TextBox 1">
+            <a:extLst>
+              <a:ext uri="{FF2B5EF4-FFF2-40B4-BE49-F238E27FC236}">
+                <a16:creationId xmlns:a16="http://schemas.microsoft.com/office/drawing/2014/main" id="{CCA4D2A6-DF5B-46CF-AB6A-377136AFF756}"/>
+              </a:ext>
+            </a:extLst>
+          </p:cNvPr>
+          <p:cNvSpPr txBox="1">
+            <a:spLocks noChangeArrowheads="1"/>
+          </p:cNvSpPr>
+          <p:nvPr/>
+        </p:nvSpPr>
+        <p:spPr bwMode="auto">
+          <a:xfrm>
+            <a:off x="568712" y="1166842"/>
+            <a:ext cx="8842917" cy="4524315"/>
+          </a:xfrm>
+          <a:prstGeom prst="rect">
+            <a:avLst/>
+          </a:prstGeom>
+          <a:noFill/>
+          <a:ln>
+            <a:noFill/>
+          </a:ln>
+          <a:extLst>
+            <a:ext uri="{909E8E84-426E-40DD-AFC4-6F175D3DCCD1}">
+              <a14:hiddenFill xmlns:a14="http://schemas.microsoft.com/office/drawing/2010/main">
+                <a:solidFill>
+                  <a:srgbClr val="FFFFFF"/>
+                </a:solidFill>
+              </a14:hiddenFill>
+            </a:ext>
+            <a:ext uri="{91240B29-F687-4F45-9708-019B960494DF}">
+              <a14:hiddenLine xmlns:a14="http://schemas.microsoft.com/office/drawing/2010/main" w="9525">
+                <a:solidFill>
+                  <a:srgbClr val="000000"/>
+                </a:solidFill>
+                <a:miter lim="800000"/>
+                <a:headEnd/>
+                <a:tailEnd/>
+              </a14:hiddenLine>
+            </a:ext>
+          </a:extLst>
+        </p:spPr>
+        <p:txBody>
+          <a:bodyPr wrap="square">
+            <a:spAutoFit/>
+          </a:bodyPr>
+          <a:lstStyle>
+            <a:lvl1pPr>
+              <a:defRPr sz="2000" b="1">
+                <a:solidFill>
+                  <a:schemeClr val="tx1"/>
+                </a:solidFill>
+                <a:latin typeface="Arial" panose="020B0604020202020204" pitchFamily="34" charset="0"/>
+              </a:defRPr>
+            </a:lvl1pPr>
+            <a:lvl2pPr marL="742950" indent="-285750">
+              <a:defRPr sz="2000" b="1">
+                <a:solidFill>
+                  <a:schemeClr val="tx1"/>
+                </a:solidFill>
+                <a:latin typeface="Arial" panose="020B0604020202020204" pitchFamily="34" charset="0"/>
+              </a:defRPr>
+            </a:lvl2pPr>
+            <a:lvl3pPr marL="1143000" indent="-228600">
+              <a:defRPr sz="2000" b="1">
+                <a:solidFill>
+                  <a:schemeClr val="tx1"/>
+                </a:solidFill>
+                <a:latin typeface="Arial" panose="020B0604020202020204" pitchFamily="34" charset="0"/>
+              </a:defRPr>
+            </a:lvl3pPr>
+            <a:lvl4pPr marL="1600200" indent="-228600">
+              <a:defRPr sz="2000" b="1">
+                <a:solidFill>
+                  <a:schemeClr val="tx1"/>
+                </a:solidFill>
+                <a:latin typeface="Arial" panose="020B0604020202020204" pitchFamily="34" charset="0"/>
+              </a:defRPr>
+            </a:lvl4pPr>
+            <a:lvl5pPr marL="2057400" indent="-228600">
+              <a:defRPr sz="2000" b="1">
+                <a:solidFill>
+                  <a:schemeClr val="tx1"/>
+                </a:solidFill>
+                <a:latin typeface="Arial" panose="020B0604020202020204" pitchFamily="34" charset="0"/>
+              </a:defRPr>
+            </a:lvl5pPr>
+            <a:lvl6pPr marL="2514600" indent="-228600" eaLnBrk="0" fontAlgn="base" hangingPunct="0">
+              <a:spcBef>
+                <a:spcPct val="0"/>
+              </a:spcBef>
+              <a:spcAft>
+                <a:spcPct val="0"/>
+              </a:spcAft>
+              <a:defRPr sz="2000" b="1">
+                <a:solidFill>
+                  <a:schemeClr val="tx1"/>
+                </a:solidFill>
+                <a:latin typeface="Arial" panose="020B0604020202020204" pitchFamily="34" charset="0"/>
+              </a:defRPr>
+            </a:lvl6pPr>
+            <a:lvl7pPr marL="2971800" indent="-228600" eaLnBrk="0" fontAlgn="base" hangingPunct="0">
+              <a:spcBef>
+                <a:spcPct val="0"/>
+              </a:spcBef>
+              <a:spcAft>
+                <a:spcPct val="0"/>
+              </a:spcAft>
+              <a:defRPr sz="2000" b="1">
+                <a:solidFill>
+                  <a:schemeClr val="tx1"/>
+                </a:solidFill>
+                <a:latin typeface="Arial" panose="020B0604020202020204" pitchFamily="34" charset="0"/>
+              </a:defRPr>
+            </a:lvl7pPr>
+            <a:lvl8pPr marL="3429000" indent="-228600" eaLnBrk="0" fontAlgn="base" hangingPunct="0">
+              <a:spcBef>
+                <a:spcPct val="0"/>
+              </a:spcBef>
+              <a:spcAft>
+                <a:spcPct val="0"/>
+              </a:spcAft>
+              <a:defRPr sz="2000" b="1">
+                <a:solidFill>
+                  <a:schemeClr val="tx1"/>
+                </a:solidFill>
+                <a:latin typeface="Arial" panose="020B0604020202020204" pitchFamily="34" charset="0"/>
+              </a:defRPr>
+            </a:lvl8pPr>
+            <a:lvl9pPr marL="3886200" indent="-228600" eaLnBrk="0" fontAlgn="base" hangingPunct="0">
+              <a:spcBef>
+                <a:spcPct val="0"/>
+              </a:spcBef>
+              <a:spcAft>
+                <a:spcPct val="0"/>
+              </a:spcAft>
+              <a:defRPr sz="2000" b="1">
+                <a:solidFill>
+                  <a:schemeClr val="tx1"/>
+                </a:solidFill>
+                <a:latin typeface="Arial" panose="020B0604020202020204" pitchFamily="34" charset="0"/>
+              </a:defRPr>
+            </a:lvl9pPr>
+          </a:lstStyle>
+          <a:p>
+            <a:r>
+              <a:rPr lang="en-US" altLang="en-US" sz="1800" dirty="0"/>
+              <a:t>Good Morning!</a:t>
+            </a:r>
+          </a:p>
+          <a:p>
+            <a:r>
+              <a:rPr lang="zh-CN" altLang="en-US" sz="1800" dirty="0"/>
+              <a:t>老师同学们早上好！</a:t>
+            </a:r>
+            <a:endParaRPr lang="en-US" altLang="zh-CN" sz="1800" dirty="0"/>
+          </a:p>
+          <a:p>
+            <a:endParaRPr lang="en-US" altLang="en-US" sz="1800" dirty="0"/>
+          </a:p>
+          <a:p>
+            <a:r>
+              <a:rPr lang="en-US" altLang="zh-CN" sz="1800" dirty="0"/>
+              <a:t>Please follow the following steps to get today’s content</a:t>
+            </a:r>
+          </a:p>
+          <a:p>
+            <a:r>
+              <a:rPr lang="zh-CN" altLang="en-US" sz="1800" dirty="0"/>
+              <a:t>请执行以下命令下载课堂内容：</a:t>
+            </a:r>
+            <a:endParaRPr lang="en-US" altLang="zh-CN" sz="1800" dirty="0"/>
+          </a:p>
+          <a:p>
+            <a:endParaRPr lang="en-US" altLang="zh-CN" sz="1800" dirty="0"/>
+          </a:p>
+          <a:p>
+            <a:r>
+              <a:rPr lang="en-US" altLang="zh-CN" sz="1800" dirty="0"/>
+              <a:t>in git bash (</a:t>
+            </a:r>
+            <a:r>
+              <a:rPr lang="zh-CN" altLang="en-US" sz="1800" dirty="0"/>
+              <a:t>用 </a:t>
+            </a:r>
+            <a:r>
+              <a:rPr lang="en-US" altLang="zh-CN" sz="1800" dirty="0" err="1"/>
+              <a:t>gitbash</a:t>
+            </a:r>
+            <a:r>
+              <a:rPr lang="en-US" altLang="zh-CN" sz="1800" dirty="0"/>
+              <a:t>)</a:t>
+            </a:r>
+          </a:p>
+          <a:p>
+            <a:endParaRPr lang="en-US" altLang="zh-CN" sz="1800" dirty="0"/>
+          </a:p>
+          <a:p>
+            <a:r>
+              <a:rPr lang="en-US" altLang="zh-CN" sz="1800" dirty="0"/>
+              <a:t>cd  /c</a:t>
+            </a:r>
+          </a:p>
+          <a:p>
+            <a:r>
+              <a:rPr lang="en-US" altLang="zh-CN" sz="1800" dirty="0"/>
+              <a:t>cd </a:t>
+            </a:r>
+            <a:r>
+              <a:rPr lang="en-US" altLang="zh-CN" sz="1800" dirty="0" err="1"/>
+              <a:t>pdm</a:t>
+            </a:r>
+            <a:endParaRPr lang="en-US" altLang="zh-CN" sz="1800" dirty="0"/>
+          </a:p>
+          <a:p>
+            <a:r>
+              <a:rPr lang="en-US" altLang="zh-CN" sz="1800" dirty="0"/>
+              <a:t>git stash   </a:t>
+            </a:r>
+          </a:p>
+          <a:p>
+            <a:r>
+              <a:rPr lang="en-US" altLang="zh-CN" sz="1800" dirty="0"/>
+              <a:t>git pull –a  </a:t>
+            </a:r>
+          </a:p>
+          <a:p>
+            <a:endParaRPr lang="en-US" altLang="zh-CN" sz="1800" dirty="0"/>
+          </a:p>
+          <a:p>
+            <a:endParaRPr lang="en-US" altLang="zh-CN" sz="1800" dirty="0"/>
+          </a:p>
+          <a:p>
+            <a:r>
+              <a:rPr lang="zh-CN" altLang="en-US" sz="1800" dirty="0"/>
+              <a:t>用</a:t>
+            </a:r>
+            <a:r>
+              <a:rPr lang="en-US" altLang="zh-CN" sz="1800" dirty="0"/>
+              <a:t>Kaggle </a:t>
+            </a:r>
+            <a:r>
+              <a:rPr lang="zh-CN" altLang="en-US" sz="1800" dirty="0"/>
+              <a:t>的同学：</a:t>
+            </a:r>
+            <a:endParaRPr lang="en-US" altLang="zh-CN" sz="1800" dirty="0"/>
+          </a:p>
+          <a:p>
+            <a:r>
+              <a:rPr lang="en-US" sz="1800" dirty="0"/>
+              <a:t>https://www.kaggle.com/code/stemproacademy/notebook179d1aedb9/edit</a:t>
+            </a:r>
+            <a:endParaRPr lang="en-US" altLang="en-US" sz="1800" dirty="0"/>
+          </a:p>
+        </p:txBody>
+      </p:sp>
+    </p:spTree>
+    <p:extLst>
+      <p:ext uri="{BB962C8B-B14F-4D97-AF65-F5344CB8AC3E}">
+        <p14:creationId xmlns:p14="http://schemas.microsoft.com/office/powerpoint/2010/main" val="1920324851"/>
+      </p:ext>
+    </p:extLst>
+  </p:cSld>
+  <p:clrMapOvr>
+    <a:masterClrMapping/>
+  </p:clrMapOvr>
+</p:sld>
+</file>
+
+<file path=ppt/slides/slide10.xml><?xml version="1.0" encoding="utf-8"?>
+<p:sld xmlns:a="http://schemas.openxmlformats.org/drawingml/2006/main" xmlns:r="http://schemas.openxmlformats.org/officeDocument/2006/relationships" xmlns:p="http://schemas.openxmlformats.org/presentationml/2006/main">
+  <p:cSld>
+    <p:spTree>
+      <p:nvGrpSpPr>
+        <p:cNvPr id="1" name=""/>
+        <p:cNvGrpSpPr/>
+        <p:nvPr/>
+      </p:nvGrpSpPr>
+      <p:grpSpPr>
+        <a:xfrm>
+          <a:off x="0" y="0"/>
+          <a:ext cx="0" cy="0"/>
+          <a:chOff x="0" y="0"/>
+          <a:chExt cx="0" cy="0"/>
+        </a:xfrm>
+      </p:grpSpPr>
+      <p:sp>
+        <p:nvSpPr>
+          <p:cNvPr id="3" name="TextBox 2">
+            <a:extLst>
+              <a:ext uri="{FF2B5EF4-FFF2-40B4-BE49-F238E27FC236}">
+                <a16:creationId xmlns:a16="http://schemas.microsoft.com/office/drawing/2014/main" id="{AF8FC9BB-9DB2-095C-1565-78DB9BCA5227}"/>
+              </a:ext>
+            </a:extLst>
+          </p:cNvPr>
+          <p:cNvSpPr txBox="1"/>
+          <p:nvPr/>
+        </p:nvSpPr>
+        <p:spPr>
+          <a:xfrm>
+            <a:off x="7165428" y="857250"/>
+            <a:ext cx="1978573" cy="323165"/>
+          </a:xfrm>
+          <a:prstGeom prst="rect">
+            <a:avLst/>
+          </a:prstGeom>
+          <a:noFill/>
+        </p:spPr>
+        <p:txBody>
+          <a:bodyPr wrap="square" rtlCol="0">
+            <a:spAutoFit/>
+          </a:bodyPr>
+          <a:lstStyle/>
+          <a:p>
+            <a:pPr algn="r"/>
+            <a:r>
+              <a:rPr lang="en-US" altLang="zh-CN" sz="1500" dirty="0">
+                <a:solidFill>
+                  <a:schemeClr val="bg1">
+                    <a:lumMod val="85000"/>
+                  </a:schemeClr>
+                </a:solidFill>
+              </a:rPr>
+              <a:t>AAFIE, 2022</a:t>
+            </a:r>
+            <a:endParaRPr lang="en-US" sz="1500" dirty="0">
+              <a:solidFill>
+                <a:schemeClr val="bg1">
+                  <a:lumMod val="85000"/>
+                </a:schemeClr>
+              </a:solidFill>
+            </a:endParaRPr>
+          </a:p>
+        </p:txBody>
+      </p:sp>
+      <p:sp>
+        <p:nvSpPr>
+          <p:cNvPr id="10" name="Rectangle 9">
+            <a:extLst>
+              <a:ext uri="{FF2B5EF4-FFF2-40B4-BE49-F238E27FC236}">
+                <a16:creationId xmlns:a16="http://schemas.microsoft.com/office/drawing/2014/main" id="{1510A9D2-9B0F-CE65-A9E9-831F782E8464}"/>
+              </a:ext>
+            </a:extLst>
+          </p:cNvPr>
+          <p:cNvSpPr/>
+          <p:nvPr/>
+        </p:nvSpPr>
+        <p:spPr>
+          <a:xfrm>
+            <a:off x="635619" y="247842"/>
+            <a:ext cx="8601879" cy="523220"/>
+          </a:xfrm>
+          <a:prstGeom prst="rect">
+            <a:avLst/>
+          </a:prstGeom>
+        </p:spPr>
+        <p:txBody>
+          <a:bodyPr wrap="square">
+            <a:spAutoFit/>
+          </a:bodyPr>
+          <a:lstStyle/>
+          <a:p>
+            <a:r>
+              <a:rPr lang="en-US" altLang="zh-CN" sz="2800" dirty="0"/>
+              <a:t>In-class project introduction </a:t>
+            </a:r>
+            <a:r>
+              <a:rPr lang="zh-CN" altLang="en-US" sz="2800" dirty="0"/>
+              <a:t>课堂项目介绍</a:t>
+            </a:r>
+            <a:endParaRPr lang="en-US" sz="3600" dirty="0">
+              <a:latin typeface="+mn-lt"/>
+            </a:endParaRPr>
+          </a:p>
+        </p:txBody>
+      </p:sp>
+      <p:sp>
+        <p:nvSpPr>
+          <p:cNvPr id="6" name="TextBox 5">
+            <a:extLst>
+              <a:ext uri="{FF2B5EF4-FFF2-40B4-BE49-F238E27FC236}">
+                <a16:creationId xmlns:a16="http://schemas.microsoft.com/office/drawing/2014/main" id="{23EB4840-530F-8777-5214-45EA32B6695E}"/>
+              </a:ext>
+            </a:extLst>
+          </p:cNvPr>
+          <p:cNvSpPr txBox="1"/>
+          <p:nvPr/>
+        </p:nvSpPr>
+        <p:spPr>
+          <a:xfrm>
+            <a:off x="390329" y="980360"/>
+            <a:ext cx="8601879" cy="400110"/>
+          </a:xfrm>
+          <a:prstGeom prst="rect">
+            <a:avLst/>
+          </a:prstGeom>
+          <a:noFill/>
+        </p:spPr>
+        <p:txBody>
+          <a:bodyPr wrap="square">
+            <a:spAutoFit/>
+          </a:bodyPr>
+          <a:lstStyle/>
+          <a:p>
+            <a:r>
+              <a:rPr lang="en-US" b="1" i="0" dirty="0">
+                <a:solidFill>
+                  <a:srgbClr val="202124"/>
+                </a:solidFill>
+                <a:effectLst/>
+                <a:latin typeface="Roboto" panose="02000000000000000000" pitchFamily="2" charset="0"/>
+              </a:rPr>
+              <a:t>Datasets / </a:t>
+            </a:r>
+            <a:r>
+              <a:rPr lang="zh-CN" altLang="en-US" b="1" i="0" dirty="0">
+                <a:solidFill>
+                  <a:srgbClr val="202124"/>
+                </a:solidFill>
+                <a:effectLst/>
+                <a:latin typeface="Roboto" panose="02000000000000000000" pitchFamily="2" charset="0"/>
+              </a:rPr>
+              <a:t>数据包</a:t>
+            </a:r>
+            <a:endParaRPr lang="en-US" b="1" i="0" dirty="0">
+              <a:solidFill>
+                <a:srgbClr val="202124"/>
+              </a:solidFill>
+              <a:effectLst/>
+              <a:latin typeface="Roboto" panose="02000000000000000000" pitchFamily="2" charset="0"/>
+            </a:endParaRPr>
+          </a:p>
+        </p:txBody>
+      </p:sp>
+      <p:sp>
+        <p:nvSpPr>
+          <p:cNvPr id="4" name="TextBox 3">
+            <a:extLst>
+              <a:ext uri="{FF2B5EF4-FFF2-40B4-BE49-F238E27FC236}">
+                <a16:creationId xmlns:a16="http://schemas.microsoft.com/office/drawing/2014/main" id="{A5D64B3B-5342-7537-6B7B-8848073B32CB}"/>
+              </a:ext>
+            </a:extLst>
+          </p:cNvPr>
+          <p:cNvSpPr txBox="1"/>
+          <p:nvPr/>
+        </p:nvSpPr>
+        <p:spPr>
+          <a:xfrm>
+            <a:off x="1261586" y="1433644"/>
+            <a:ext cx="6112564" cy="400110"/>
+          </a:xfrm>
+          <a:prstGeom prst="rect">
+            <a:avLst/>
+          </a:prstGeom>
+          <a:noFill/>
+        </p:spPr>
+        <p:txBody>
+          <a:bodyPr wrap="square">
+            <a:spAutoFit/>
+          </a:bodyPr>
+          <a:lstStyle/>
+          <a:p>
+            <a:pPr algn="ctr"/>
+            <a:r>
+              <a:rPr lang="en-US" altLang="zh-CN" b="1" i="0" dirty="0">
+                <a:solidFill>
+                  <a:srgbClr val="202124"/>
+                </a:solidFill>
+                <a:effectLst/>
+                <a:latin typeface="Roboto" panose="02000000000000000000" pitchFamily="2" charset="0"/>
+              </a:rPr>
+              <a:t>Meta</a:t>
+            </a:r>
+            <a:r>
+              <a:rPr lang="en-US" altLang="zh-CN" dirty="0">
+                <a:solidFill>
+                  <a:srgbClr val="202124"/>
+                </a:solidFill>
+                <a:latin typeface="Roboto" panose="02000000000000000000" pitchFamily="2" charset="0"/>
+              </a:rPr>
+              <a:t>data</a:t>
+            </a:r>
+            <a:r>
+              <a:rPr lang="zh-CN" altLang="en-US" dirty="0">
+                <a:solidFill>
+                  <a:srgbClr val="202124"/>
+                </a:solidFill>
+                <a:latin typeface="Roboto" panose="02000000000000000000" pitchFamily="2" charset="0"/>
+              </a:rPr>
+              <a:t> </a:t>
+            </a:r>
+            <a:r>
+              <a:rPr lang="en-US" altLang="zh-CN" dirty="0">
+                <a:solidFill>
+                  <a:srgbClr val="202124"/>
+                </a:solidFill>
+                <a:latin typeface="Roboto" panose="02000000000000000000" pitchFamily="2" charset="0"/>
+              </a:rPr>
+              <a:t>about</a:t>
+            </a:r>
+            <a:r>
+              <a:rPr lang="zh-CN" altLang="en-US" dirty="0">
+                <a:solidFill>
+                  <a:srgbClr val="202124"/>
+                </a:solidFill>
+                <a:latin typeface="Roboto" panose="02000000000000000000" pitchFamily="2" charset="0"/>
+              </a:rPr>
+              <a:t> </a:t>
+            </a:r>
+            <a:r>
+              <a:rPr lang="en-US" altLang="zh-CN" dirty="0">
+                <a:solidFill>
+                  <a:srgbClr val="202124"/>
+                </a:solidFill>
+                <a:latin typeface="Roboto" panose="02000000000000000000" pitchFamily="2" charset="0"/>
+              </a:rPr>
+              <a:t>C-MAPSS / C-MAPSS </a:t>
+            </a:r>
+            <a:r>
+              <a:rPr lang="zh-CN" altLang="en-US" dirty="0">
+                <a:solidFill>
+                  <a:srgbClr val="202124"/>
+                </a:solidFill>
+                <a:latin typeface="Roboto" panose="02000000000000000000" pitchFamily="2" charset="0"/>
+              </a:rPr>
+              <a:t>元数据</a:t>
+            </a:r>
+            <a:endParaRPr lang="en-US" b="1" i="0" dirty="0">
+              <a:solidFill>
+                <a:srgbClr val="202124"/>
+              </a:solidFill>
+              <a:effectLst/>
+              <a:latin typeface="Roboto" panose="02000000000000000000" pitchFamily="2" charset="0"/>
+            </a:endParaRPr>
+          </a:p>
+        </p:txBody>
+      </p:sp>
+      <p:graphicFrame>
+        <p:nvGraphicFramePr>
+          <p:cNvPr id="7" name="Object 6">
+            <a:extLst>
+              <a:ext uri="{FF2B5EF4-FFF2-40B4-BE49-F238E27FC236}">
+                <a16:creationId xmlns:a16="http://schemas.microsoft.com/office/drawing/2014/main" id="{A3F1E75D-05F9-70D7-DA06-643D39A87304}"/>
+              </a:ext>
+            </a:extLst>
+          </p:cNvPr>
+          <p:cNvGraphicFramePr>
+            <a:graphicFrameLocks noChangeAspect="1"/>
+          </p:cNvGraphicFramePr>
+          <p:nvPr>
+            <p:extLst>
+              <p:ext uri="{D42A27DB-BD31-4B8C-83A1-F6EECF244321}">
+                <p14:modId xmlns:p14="http://schemas.microsoft.com/office/powerpoint/2010/main" val="3557594322"/>
+              </p:ext>
+            </p:extLst>
+          </p:nvPr>
+        </p:nvGraphicFramePr>
+        <p:xfrm>
+          <a:off x="1052865" y="3905966"/>
+          <a:ext cx="7098474" cy="1925798"/>
+        </p:xfrm>
+        <a:graphic>
+          <a:graphicData uri="http://schemas.openxmlformats.org/presentationml/2006/ole">
+            <mc:AlternateContent xmlns:mc="http://schemas.openxmlformats.org/markup-compatibility/2006">
+              <mc:Choice xmlns:v="urn:schemas-microsoft-com:vml" Requires="v">
+                <p:oleObj name="Worksheet" r:id="rId2" imgW="7267515" imgH="1971806" progId="Excel.Sheet.12">
+                  <p:embed/>
+                </p:oleObj>
+              </mc:Choice>
+              <mc:Fallback>
+                <p:oleObj name="Worksheet" r:id="rId2" imgW="7267515" imgH="1971806" progId="Excel.Sheet.12">
+                  <p:embed/>
+                  <p:pic>
+                    <p:nvPicPr>
+                      <p:cNvPr id="0" name=""/>
+                      <p:cNvPicPr/>
+                      <p:nvPr/>
+                    </p:nvPicPr>
+                    <p:blipFill>
+                      <a:blip r:embed="rId3"/>
+                      <a:stretch>
+                        <a:fillRect/>
+                      </a:stretch>
+                    </p:blipFill>
+                    <p:spPr>
+                      <a:xfrm>
+                        <a:off x="1052865" y="3905966"/>
+                        <a:ext cx="7098474" cy="1925798"/>
+                      </a:xfrm>
+                      <a:prstGeom prst="rect">
+                        <a:avLst/>
+                      </a:prstGeom>
+                    </p:spPr>
+                  </p:pic>
+                </p:oleObj>
+              </mc:Fallback>
+            </mc:AlternateContent>
+          </a:graphicData>
+        </a:graphic>
+      </p:graphicFrame>
+      <p:graphicFrame>
+        <p:nvGraphicFramePr>
+          <p:cNvPr id="8" name="Object 7">
+            <a:extLst>
+              <a:ext uri="{FF2B5EF4-FFF2-40B4-BE49-F238E27FC236}">
+                <a16:creationId xmlns:a16="http://schemas.microsoft.com/office/drawing/2014/main" id="{D184389F-6BFC-002D-32D3-5987234EB5A2}"/>
+              </a:ext>
+            </a:extLst>
+          </p:cNvPr>
+          <p:cNvGraphicFramePr>
+            <a:graphicFrameLocks noChangeAspect="1"/>
+          </p:cNvGraphicFramePr>
+          <p:nvPr>
+            <p:extLst>
+              <p:ext uri="{D42A27DB-BD31-4B8C-83A1-F6EECF244321}">
+                <p14:modId xmlns:p14="http://schemas.microsoft.com/office/powerpoint/2010/main" val="1960216610"/>
+              </p:ext>
+            </p:extLst>
+          </p:nvPr>
+        </p:nvGraphicFramePr>
+        <p:xfrm>
+          <a:off x="1052864" y="1912806"/>
+          <a:ext cx="7098474" cy="1793104"/>
+        </p:xfrm>
+        <a:graphic>
+          <a:graphicData uri="http://schemas.openxmlformats.org/presentationml/2006/ole">
+            <mc:AlternateContent xmlns:mc="http://schemas.openxmlformats.org/markup-compatibility/2006">
+              <mc:Choice xmlns:v="urn:schemas-microsoft-com:vml" Requires="v">
+                <p:oleObj name="Worksheet" r:id="rId4" imgW="11353756" imgH="2867010" progId="Excel.Sheet.12">
+                  <p:embed/>
+                </p:oleObj>
+              </mc:Choice>
+              <mc:Fallback>
+                <p:oleObj name="Worksheet" r:id="rId4" imgW="11353756" imgH="2867010" progId="Excel.Sheet.12">
+                  <p:embed/>
+                  <p:pic>
+                    <p:nvPicPr>
+                      <p:cNvPr id="0" name=""/>
+                      <p:cNvPicPr/>
+                      <p:nvPr/>
+                    </p:nvPicPr>
+                    <p:blipFill>
+                      <a:blip r:embed="rId5"/>
+                      <a:stretch>
+                        <a:fillRect/>
+                      </a:stretch>
+                    </p:blipFill>
+                    <p:spPr>
+                      <a:xfrm>
+                        <a:off x="1052864" y="1912806"/>
+                        <a:ext cx="7098474" cy="1793104"/>
+                      </a:xfrm>
+                      <a:prstGeom prst="rect">
+                        <a:avLst/>
+                      </a:prstGeom>
+                    </p:spPr>
+                  </p:pic>
+                </p:oleObj>
+              </mc:Fallback>
+            </mc:AlternateContent>
+          </a:graphicData>
+        </a:graphic>
+      </p:graphicFrame>
+    </p:spTree>
+    <p:extLst>
+      <p:ext uri="{BB962C8B-B14F-4D97-AF65-F5344CB8AC3E}">
+        <p14:creationId xmlns:p14="http://schemas.microsoft.com/office/powerpoint/2010/main" val="251924233"/>
+      </p:ext>
+    </p:extLst>
+  </p:cSld>
+  <p:clrMapOvr>
+    <a:masterClrMapping/>
+  </p:clrMapOvr>
+</p:sld>
+</file>
+
+<file path=ppt/slides/slide11.xml><?xml version="1.0" encoding="utf-8"?>
+<p:sld xmlns:a="http://schemas.openxmlformats.org/drawingml/2006/main" xmlns:r="http://schemas.openxmlformats.org/officeDocument/2006/relationships" xmlns:p="http://schemas.openxmlformats.org/presentationml/2006/main">
+  <p:cSld>
+    <p:spTree>
+      <p:nvGrpSpPr>
+        <p:cNvPr id="1" name=""/>
+        <p:cNvGrpSpPr/>
+        <p:nvPr/>
+      </p:nvGrpSpPr>
+      <p:grpSpPr>
+        <a:xfrm>
+          <a:off x="0" y="0"/>
+          <a:ext cx="0" cy="0"/>
+          <a:chOff x="0" y="0"/>
+          <a:chExt cx="0" cy="0"/>
+        </a:xfrm>
+      </p:grpSpPr>
+      <p:sp>
+        <p:nvSpPr>
+          <p:cNvPr id="3" name="TextBox 2">
+            <a:extLst>
+              <a:ext uri="{FF2B5EF4-FFF2-40B4-BE49-F238E27FC236}">
+                <a16:creationId xmlns:a16="http://schemas.microsoft.com/office/drawing/2014/main" id="{AF8FC9BB-9DB2-095C-1565-78DB9BCA5227}"/>
+              </a:ext>
+            </a:extLst>
+          </p:cNvPr>
+          <p:cNvSpPr txBox="1"/>
+          <p:nvPr/>
+        </p:nvSpPr>
+        <p:spPr>
+          <a:xfrm>
+            <a:off x="7165428" y="857250"/>
+            <a:ext cx="1978573" cy="323165"/>
+          </a:xfrm>
+          <a:prstGeom prst="rect">
+            <a:avLst/>
+          </a:prstGeom>
+          <a:noFill/>
+        </p:spPr>
+        <p:txBody>
+          <a:bodyPr wrap="square" rtlCol="0">
+            <a:spAutoFit/>
+          </a:bodyPr>
+          <a:lstStyle/>
+          <a:p>
+            <a:pPr algn="r"/>
+            <a:r>
+              <a:rPr lang="en-US" altLang="zh-CN" sz="1500" dirty="0">
+                <a:solidFill>
+                  <a:schemeClr val="bg1">
+                    <a:lumMod val="85000"/>
+                  </a:schemeClr>
+                </a:solidFill>
+              </a:rPr>
+              <a:t>AAFIE, 2022</a:t>
+            </a:r>
+            <a:endParaRPr lang="en-US" sz="1500" dirty="0">
+              <a:solidFill>
+                <a:schemeClr val="bg1">
+                  <a:lumMod val="85000"/>
+                </a:schemeClr>
+              </a:solidFill>
+            </a:endParaRPr>
+          </a:p>
+        </p:txBody>
+      </p:sp>
+      <p:sp>
+        <p:nvSpPr>
+          <p:cNvPr id="10" name="Rectangle 9">
+            <a:extLst>
+              <a:ext uri="{FF2B5EF4-FFF2-40B4-BE49-F238E27FC236}">
+                <a16:creationId xmlns:a16="http://schemas.microsoft.com/office/drawing/2014/main" id="{1510A9D2-9B0F-CE65-A9E9-831F782E8464}"/>
+              </a:ext>
+            </a:extLst>
+          </p:cNvPr>
+          <p:cNvSpPr/>
+          <p:nvPr/>
+        </p:nvSpPr>
+        <p:spPr>
+          <a:xfrm>
+            <a:off x="635619" y="247842"/>
+            <a:ext cx="8601879" cy="523220"/>
+          </a:xfrm>
+          <a:prstGeom prst="rect">
+            <a:avLst/>
+          </a:prstGeom>
+        </p:spPr>
+        <p:txBody>
+          <a:bodyPr wrap="square">
+            <a:spAutoFit/>
+          </a:bodyPr>
+          <a:lstStyle/>
+          <a:p>
+            <a:r>
+              <a:rPr lang="en-US" altLang="zh-CN" sz="2800" dirty="0"/>
+              <a:t>In-class project introduction </a:t>
+            </a:r>
+            <a:r>
+              <a:rPr lang="zh-CN" altLang="en-US" sz="2800" dirty="0"/>
+              <a:t>课堂项目介绍</a:t>
+            </a:r>
+            <a:endParaRPr lang="en-US" sz="3600" dirty="0">
+              <a:latin typeface="+mn-lt"/>
+            </a:endParaRPr>
+          </a:p>
+        </p:txBody>
+      </p:sp>
+      <p:sp>
+        <p:nvSpPr>
+          <p:cNvPr id="6" name="TextBox 5">
+            <a:extLst>
+              <a:ext uri="{FF2B5EF4-FFF2-40B4-BE49-F238E27FC236}">
+                <a16:creationId xmlns:a16="http://schemas.microsoft.com/office/drawing/2014/main" id="{23EB4840-530F-8777-5214-45EA32B6695E}"/>
+              </a:ext>
+            </a:extLst>
+          </p:cNvPr>
+          <p:cNvSpPr txBox="1"/>
+          <p:nvPr/>
+        </p:nvSpPr>
+        <p:spPr>
+          <a:xfrm>
+            <a:off x="390329" y="980360"/>
+            <a:ext cx="8601879" cy="400110"/>
+          </a:xfrm>
+          <a:prstGeom prst="rect">
+            <a:avLst/>
+          </a:prstGeom>
+          <a:noFill/>
+        </p:spPr>
+        <p:txBody>
+          <a:bodyPr wrap="square">
+            <a:spAutoFit/>
+          </a:bodyPr>
+          <a:lstStyle/>
+          <a:p>
+            <a:r>
+              <a:rPr lang="en-US" b="1" i="0" dirty="0">
+                <a:solidFill>
+                  <a:srgbClr val="202124"/>
+                </a:solidFill>
+                <a:effectLst/>
+                <a:latin typeface="Roboto" panose="02000000000000000000" pitchFamily="2" charset="0"/>
+              </a:rPr>
+              <a:t>Datasets / </a:t>
+            </a:r>
+            <a:r>
+              <a:rPr lang="zh-CN" altLang="en-US" b="1" i="0" dirty="0">
+                <a:solidFill>
+                  <a:srgbClr val="202124"/>
+                </a:solidFill>
+                <a:effectLst/>
+                <a:latin typeface="Roboto" panose="02000000000000000000" pitchFamily="2" charset="0"/>
+              </a:rPr>
+              <a:t>数据包</a:t>
+            </a:r>
+            <a:endParaRPr lang="en-US" b="1" i="0" dirty="0">
+              <a:solidFill>
+                <a:srgbClr val="202124"/>
+              </a:solidFill>
+              <a:effectLst/>
+              <a:latin typeface="Roboto" panose="02000000000000000000" pitchFamily="2" charset="0"/>
+            </a:endParaRPr>
+          </a:p>
+        </p:txBody>
+      </p:sp>
+      <p:sp>
+        <p:nvSpPr>
+          <p:cNvPr id="2" name="TextBox 1">
+            <a:extLst>
+              <a:ext uri="{FF2B5EF4-FFF2-40B4-BE49-F238E27FC236}">
+                <a16:creationId xmlns:a16="http://schemas.microsoft.com/office/drawing/2014/main" id="{EE2703F0-BDCC-8697-26AF-3BF6F6F6A1CA}"/>
+              </a:ext>
+            </a:extLst>
+          </p:cNvPr>
+          <p:cNvSpPr txBox="1"/>
+          <p:nvPr/>
+        </p:nvSpPr>
+        <p:spPr>
+          <a:xfrm>
+            <a:off x="256478" y="1628078"/>
+            <a:ext cx="8578487" cy="400110"/>
+          </a:xfrm>
+          <a:prstGeom prst="rect">
+            <a:avLst/>
+          </a:prstGeom>
+          <a:noFill/>
+        </p:spPr>
+        <p:txBody>
+          <a:bodyPr wrap="square" rtlCol="0">
+            <a:spAutoFit/>
+          </a:bodyPr>
+          <a:lstStyle/>
+          <a:p>
+            <a:r>
+              <a:rPr lang="zh-CN" altLang="en-US" dirty="0"/>
+              <a:t>（</a:t>
+            </a:r>
+            <a:r>
+              <a:rPr lang="en-US" altLang="zh-CN" dirty="0"/>
+              <a:t>for classification / </a:t>
+            </a:r>
+            <a:r>
+              <a:rPr lang="zh-CN" altLang="en-US" dirty="0"/>
+              <a:t>分类）</a:t>
+            </a:r>
+            <a:endParaRPr lang="en-US" dirty="0"/>
+          </a:p>
+        </p:txBody>
+      </p:sp>
+      <p:graphicFrame>
+        <p:nvGraphicFramePr>
+          <p:cNvPr id="9" name="Object 8">
+            <a:extLst>
+              <a:ext uri="{FF2B5EF4-FFF2-40B4-BE49-F238E27FC236}">
+                <a16:creationId xmlns:a16="http://schemas.microsoft.com/office/drawing/2014/main" id="{5AF70B8A-7203-3873-26BC-7AAB1AE2A8B0}"/>
+              </a:ext>
+            </a:extLst>
+          </p:cNvPr>
+          <p:cNvGraphicFramePr>
+            <a:graphicFrameLocks noChangeAspect="1"/>
+          </p:cNvGraphicFramePr>
+          <p:nvPr>
+            <p:extLst>
+              <p:ext uri="{D42A27DB-BD31-4B8C-83A1-F6EECF244321}">
+                <p14:modId xmlns:p14="http://schemas.microsoft.com/office/powerpoint/2010/main" val="2035545235"/>
+              </p:ext>
+            </p:extLst>
+          </p:nvPr>
+        </p:nvGraphicFramePr>
+        <p:xfrm>
+          <a:off x="925551" y="2257425"/>
+          <a:ext cx="7757985" cy="1656653"/>
+        </p:xfrm>
+        <a:graphic>
+          <a:graphicData uri="http://schemas.openxmlformats.org/presentationml/2006/ole">
+            <mc:AlternateContent xmlns:mc="http://schemas.openxmlformats.org/markup-compatibility/2006">
+              <mc:Choice xmlns:v="urn:schemas-microsoft-com:vml" Requires="v">
+                <p:oleObj name="Worksheet" r:id="rId2" imgW="5486400" imgH="1171474" progId="Excel.Sheet.12">
+                  <p:embed/>
+                </p:oleObj>
+              </mc:Choice>
+              <mc:Fallback>
+                <p:oleObj name="Worksheet" r:id="rId2" imgW="5486400" imgH="1171474" progId="Excel.Sheet.12">
+                  <p:embed/>
+                  <p:pic>
+                    <p:nvPicPr>
+                      <p:cNvPr id="0" name=""/>
+                      <p:cNvPicPr/>
+                      <p:nvPr/>
+                    </p:nvPicPr>
+                    <p:blipFill>
+                      <a:blip r:embed="rId3"/>
+                      <a:stretch>
+                        <a:fillRect/>
+                      </a:stretch>
+                    </p:blipFill>
+                    <p:spPr>
+                      <a:xfrm>
+                        <a:off x="925551" y="2257425"/>
+                        <a:ext cx="7757985" cy="1656653"/>
+                      </a:xfrm>
+                      <a:prstGeom prst="rect">
+                        <a:avLst/>
+                      </a:prstGeom>
+                    </p:spPr>
+                  </p:pic>
+                </p:oleObj>
+              </mc:Fallback>
+            </mc:AlternateContent>
+          </a:graphicData>
+        </a:graphic>
+      </p:graphicFrame>
+    </p:spTree>
+    <p:extLst>
+      <p:ext uri="{BB962C8B-B14F-4D97-AF65-F5344CB8AC3E}">
+        <p14:creationId xmlns:p14="http://schemas.microsoft.com/office/powerpoint/2010/main" val="1946204435"/>
+      </p:ext>
+    </p:extLst>
+  </p:cSld>
+  <p:clrMapOvr>
+    <a:masterClrMapping/>
+  </p:clrMapOvr>
+</p:sld>
+</file>
+
+<file path=ppt/slides/slide12.xml><?xml version="1.0" encoding="utf-8"?>
+<p:sld xmlns:a="http://schemas.openxmlformats.org/drawingml/2006/main" xmlns:r="http://schemas.openxmlformats.org/officeDocument/2006/relationships" xmlns:p="http://schemas.openxmlformats.org/presentationml/2006/main">
+  <p:cSld>
+    <p:spTree>
+      <p:nvGrpSpPr>
+        <p:cNvPr id="1" name=""/>
+        <p:cNvGrpSpPr/>
+        <p:nvPr/>
+      </p:nvGrpSpPr>
+      <p:grpSpPr>
+        <a:xfrm>
+          <a:off x="0" y="0"/>
+          <a:ext cx="0" cy="0"/>
+          <a:chOff x="0" y="0"/>
+          <a:chExt cx="0" cy="0"/>
+        </a:xfrm>
+      </p:grpSpPr>
+      <p:sp>
+        <p:nvSpPr>
+          <p:cNvPr id="61442" name="TextBox 1">
+            <a:extLst>
+              <a:ext uri="{FF2B5EF4-FFF2-40B4-BE49-F238E27FC236}">
+                <a16:creationId xmlns:a16="http://schemas.microsoft.com/office/drawing/2014/main" id="{CCA4D2A6-DF5B-46CF-AB6A-377136AFF756}"/>
+              </a:ext>
+            </a:extLst>
+          </p:cNvPr>
+          <p:cNvSpPr txBox="1">
+            <a:spLocks noChangeArrowheads="1"/>
+          </p:cNvSpPr>
+          <p:nvPr/>
+        </p:nvSpPr>
+        <p:spPr bwMode="auto">
+          <a:xfrm>
+            <a:off x="3765550" y="2663825"/>
+            <a:ext cx="1168400" cy="523875"/>
+          </a:xfrm>
+          <a:prstGeom prst="rect">
+            <a:avLst/>
+          </a:prstGeom>
+          <a:noFill/>
+          <a:ln>
+            <a:noFill/>
+          </a:ln>
+          <a:extLst>
+            <a:ext uri="{909E8E84-426E-40DD-AFC4-6F175D3DCCD1}">
+              <a14:hiddenFill xmlns:a14="http://schemas.microsoft.com/office/drawing/2010/main">
+                <a:solidFill>
+                  <a:srgbClr val="FFFFFF"/>
+                </a:solidFill>
+              </a14:hiddenFill>
+            </a:ext>
+            <a:ext uri="{91240B29-F687-4F45-9708-019B960494DF}">
+              <a14:hiddenLine xmlns:a14="http://schemas.microsoft.com/office/drawing/2010/main" w="9525">
+                <a:solidFill>
+                  <a:srgbClr val="000000"/>
+                </a:solidFill>
+                <a:miter lim="800000"/>
+                <a:headEnd/>
+                <a:tailEnd/>
+              </a14:hiddenLine>
+            </a:ext>
+          </a:extLst>
+        </p:spPr>
+        <p:txBody>
+          <a:bodyPr wrap="none">
+            <a:spAutoFit/>
+          </a:bodyPr>
+          <a:lstStyle>
+            <a:lvl1pPr>
+              <a:defRPr sz="2000" b="1">
+                <a:solidFill>
+                  <a:schemeClr val="tx1"/>
+                </a:solidFill>
+                <a:latin typeface="Arial" panose="020B0604020202020204" pitchFamily="34" charset="0"/>
+              </a:defRPr>
+            </a:lvl1pPr>
+            <a:lvl2pPr marL="742950" indent="-285750">
+              <a:defRPr sz="2000" b="1">
+                <a:solidFill>
+                  <a:schemeClr val="tx1"/>
+                </a:solidFill>
+                <a:latin typeface="Arial" panose="020B0604020202020204" pitchFamily="34" charset="0"/>
+              </a:defRPr>
+            </a:lvl2pPr>
+            <a:lvl3pPr marL="1143000" indent="-228600">
+              <a:defRPr sz="2000" b="1">
+                <a:solidFill>
+                  <a:schemeClr val="tx1"/>
+                </a:solidFill>
+                <a:latin typeface="Arial" panose="020B0604020202020204" pitchFamily="34" charset="0"/>
+              </a:defRPr>
+            </a:lvl3pPr>
+            <a:lvl4pPr marL="1600200" indent="-228600">
+              <a:defRPr sz="2000" b="1">
+                <a:solidFill>
+                  <a:schemeClr val="tx1"/>
+                </a:solidFill>
+                <a:latin typeface="Arial" panose="020B0604020202020204" pitchFamily="34" charset="0"/>
+              </a:defRPr>
+            </a:lvl4pPr>
+            <a:lvl5pPr marL="2057400" indent="-228600">
+              <a:defRPr sz="2000" b="1">
+                <a:solidFill>
+                  <a:schemeClr val="tx1"/>
+                </a:solidFill>
+                <a:latin typeface="Arial" panose="020B0604020202020204" pitchFamily="34" charset="0"/>
+              </a:defRPr>
+            </a:lvl5pPr>
+            <a:lvl6pPr marL="2514600" indent="-228600" eaLnBrk="0" fontAlgn="base" hangingPunct="0">
+              <a:spcBef>
+                <a:spcPct val="0"/>
+              </a:spcBef>
+              <a:spcAft>
+                <a:spcPct val="0"/>
+              </a:spcAft>
+              <a:defRPr sz="2000" b="1">
+                <a:solidFill>
+                  <a:schemeClr val="tx1"/>
+                </a:solidFill>
+                <a:latin typeface="Arial" panose="020B0604020202020204" pitchFamily="34" charset="0"/>
+              </a:defRPr>
+            </a:lvl6pPr>
+            <a:lvl7pPr marL="2971800" indent="-228600" eaLnBrk="0" fontAlgn="base" hangingPunct="0">
+              <a:spcBef>
+                <a:spcPct val="0"/>
+              </a:spcBef>
+              <a:spcAft>
+                <a:spcPct val="0"/>
+              </a:spcAft>
+              <a:defRPr sz="2000" b="1">
+                <a:solidFill>
+                  <a:schemeClr val="tx1"/>
+                </a:solidFill>
+                <a:latin typeface="Arial" panose="020B0604020202020204" pitchFamily="34" charset="0"/>
+              </a:defRPr>
+            </a:lvl7pPr>
+            <a:lvl8pPr marL="3429000" indent="-228600" eaLnBrk="0" fontAlgn="base" hangingPunct="0">
+              <a:spcBef>
+                <a:spcPct val="0"/>
+              </a:spcBef>
+              <a:spcAft>
+                <a:spcPct val="0"/>
+              </a:spcAft>
+              <a:defRPr sz="2000" b="1">
+                <a:solidFill>
+                  <a:schemeClr val="tx1"/>
+                </a:solidFill>
+                <a:latin typeface="Arial" panose="020B0604020202020204" pitchFamily="34" charset="0"/>
+              </a:defRPr>
+            </a:lvl8pPr>
+            <a:lvl9pPr marL="3886200" indent="-228600" eaLnBrk="0" fontAlgn="base" hangingPunct="0">
+              <a:spcBef>
+                <a:spcPct val="0"/>
+              </a:spcBef>
+              <a:spcAft>
+                <a:spcPct val="0"/>
+              </a:spcAft>
+              <a:defRPr sz="2000" b="1">
+                <a:solidFill>
+                  <a:schemeClr val="tx1"/>
+                </a:solidFill>
+                <a:latin typeface="Arial" panose="020B0604020202020204" pitchFamily="34" charset="0"/>
+              </a:defRPr>
+            </a:lvl9pPr>
+          </a:lstStyle>
+          <a:p>
+            <a:r>
+              <a:rPr lang="en-US" altLang="en-US" sz="2800"/>
+              <a:t>Q &amp; A</a:t>
+            </a:r>
+          </a:p>
+        </p:txBody>
+      </p:sp>
+    </p:spTree>
+    <p:extLst>
+      <p:ext uri="{BB962C8B-B14F-4D97-AF65-F5344CB8AC3E}">
+        <p14:creationId xmlns:p14="http://schemas.microsoft.com/office/powerpoint/2010/main" val="976400815"/>
+      </p:ext>
+    </p:extLst>
+  </p:cSld>
+  <p:clrMapOvr>
+    <a:masterClrMapping/>
+  </p:clrMapOvr>
+</p:sld>
+</file>
+
+<file path=ppt/slides/slide13.xml><?xml version="1.0" encoding="utf-8"?>
+<p:sld xmlns:a="http://schemas.openxmlformats.org/drawingml/2006/main" xmlns:r="http://schemas.openxmlformats.org/officeDocument/2006/relationships" xmlns:p="http://schemas.openxmlformats.org/presentationml/2006/main">
+  <p:cSld>
+    <p:spTree>
+      <p:nvGrpSpPr>
+        <p:cNvPr id="1" name=""/>
+        <p:cNvGrpSpPr/>
+        <p:nvPr/>
+      </p:nvGrpSpPr>
+      <p:grpSpPr>
+        <a:xfrm>
+          <a:off x="0" y="0"/>
+          <a:ext cx="0" cy="0"/>
+          <a:chOff x="0" y="0"/>
+          <a:chExt cx="0" cy="0"/>
+        </a:xfrm>
+      </p:grpSpPr>
+      <p:sp>
+        <p:nvSpPr>
+          <p:cNvPr id="61442" name="TextBox 1">
+            <a:extLst>
+              <a:ext uri="{FF2B5EF4-FFF2-40B4-BE49-F238E27FC236}">
+                <a16:creationId xmlns:a16="http://schemas.microsoft.com/office/drawing/2014/main" id="{CCA4D2A6-DF5B-46CF-AB6A-377136AFF756}"/>
+              </a:ext>
+            </a:extLst>
+          </p:cNvPr>
+          <p:cNvSpPr txBox="1">
+            <a:spLocks noChangeArrowheads="1"/>
+          </p:cNvSpPr>
+          <p:nvPr/>
+        </p:nvSpPr>
+        <p:spPr bwMode="auto">
+          <a:xfrm>
+            <a:off x="721265" y="1098628"/>
+            <a:ext cx="8121651" cy="5016758"/>
+          </a:xfrm>
+          <a:prstGeom prst="rect">
+            <a:avLst/>
+          </a:prstGeom>
+          <a:noFill/>
+          <a:ln>
+            <a:noFill/>
+          </a:ln>
+          <a:extLst>
+            <a:ext uri="{909E8E84-426E-40DD-AFC4-6F175D3DCCD1}">
+              <a14:hiddenFill xmlns:a14="http://schemas.microsoft.com/office/drawing/2010/main">
+                <a:solidFill>
+                  <a:srgbClr val="FFFFFF"/>
+                </a:solidFill>
+              </a14:hiddenFill>
+            </a:ext>
+            <a:ext uri="{91240B29-F687-4F45-9708-019B960494DF}">
+              <a14:hiddenLine xmlns:a14="http://schemas.microsoft.com/office/drawing/2010/main" w="9525">
+                <a:solidFill>
+                  <a:srgbClr val="000000"/>
+                </a:solidFill>
+                <a:miter lim="800000"/>
+                <a:headEnd/>
+                <a:tailEnd/>
+              </a14:hiddenLine>
+            </a:ext>
+          </a:extLst>
+        </p:spPr>
+        <p:txBody>
+          <a:bodyPr wrap="square">
+            <a:spAutoFit/>
+          </a:bodyPr>
+          <a:lstStyle>
+            <a:lvl1pPr>
+              <a:defRPr sz="2000" b="1">
+                <a:solidFill>
+                  <a:schemeClr val="tx1"/>
+                </a:solidFill>
+                <a:latin typeface="Arial" panose="020B0604020202020204" pitchFamily="34" charset="0"/>
+              </a:defRPr>
+            </a:lvl1pPr>
+            <a:lvl2pPr marL="742950" indent="-285750">
+              <a:defRPr sz="2000" b="1">
+                <a:solidFill>
+                  <a:schemeClr val="tx1"/>
+                </a:solidFill>
+                <a:latin typeface="Arial" panose="020B0604020202020204" pitchFamily="34" charset="0"/>
+              </a:defRPr>
+            </a:lvl2pPr>
+            <a:lvl3pPr marL="1143000" indent="-228600">
+              <a:defRPr sz="2000" b="1">
+                <a:solidFill>
+                  <a:schemeClr val="tx1"/>
+                </a:solidFill>
+                <a:latin typeface="Arial" panose="020B0604020202020204" pitchFamily="34" charset="0"/>
+              </a:defRPr>
+            </a:lvl3pPr>
+            <a:lvl4pPr marL="1600200" indent="-228600">
+              <a:defRPr sz="2000" b="1">
+                <a:solidFill>
+                  <a:schemeClr val="tx1"/>
+                </a:solidFill>
+                <a:latin typeface="Arial" panose="020B0604020202020204" pitchFamily="34" charset="0"/>
+              </a:defRPr>
+            </a:lvl4pPr>
+            <a:lvl5pPr marL="2057400" indent="-228600">
+              <a:defRPr sz="2000" b="1">
+                <a:solidFill>
+                  <a:schemeClr val="tx1"/>
+                </a:solidFill>
+                <a:latin typeface="Arial" panose="020B0604020202020204" pitchFamily="34" charset="0"/>
+              </a:defRPr>
+            </a:lvl5pPr>
+            <a:lvl6pPr marL="2514600" indent="-228600" eaLnBrk="0" fontAlgn="base" hangingPunct="0">
+              <a:spcBef>
+                <a:spcPct val="0"/>
+              </a:spcBef>
+              <a:spcAft>
+                <a:spcPct val="0"/>
+              </a:spcAft>
+              <a:defRPr sz="2000" b="1">
+                <a:solidFill>
+                  <a:schemeClr val="tx1"/>
+                </a:solidFill>
+                <a:latin typeface="Arial" panose="020B0604020202020204" pitchFamily="34" charset="0"/>
+              </a:defRPr>
+            </a:lvl6pPr>
+            <a:lvl7pPr marL="2971800" indent="-228600" eaLnBrk="0" fontAlgn="base" hangingPunct="0">
+              <a:spcBef>
+                <a:spcPct val="0"/>
+              </a:spcBef>
+              <a:spcAft>
+                <a:spcPct val="0"/>
+              </a:spcAft>
+              <a:defRPr sz="2000" b="1">
+                <a:solidFill>
+                  <a:schemeClr val="tx1"/>
+                </a:solidFill>
+                <a:latin typeface="Arial" panose="020B0604020202020204" pitchFamily="34" charset="0"/>
+              </a:defRPr>
+            </a:lvl7pPr>
+            <a:lvl8pPr marL="3429000" indent="-228600" eaLnBrk="0" fontAlgn="base" hangingPunct="0">
+              <a:spcBef>
+                <a:spcPct val="0"/>
+              </a:spcBef>
+              <a:spcAft>
+                <a:spcPct val="0"/>
+              </a:spcAft>
+              <a:defRPr sz="2000" b="1">
+                <a:solidFill>
+                  <a:schemeClr val="tx1"/>
+                </a:solidFill>
+                <a:latin typeface="Arial" panose="020B0604020202020204" pitchFamily="34" charset="0"/>
+              </a:defRPr>
+            </a:lvl8pPr>
+            <a:lvl9pPr marL="3886200" indent="-228600" eaLnBrk="0" fontAlgn="base" hangingPunct="0">
+              <a:spcBef>
+                <a:spcPct val="0"/>
+              </a:spcBef>
+              <a:spcAft>
+                <a:spcPct val="0"/>
+              </a:spcAft>
+              <a:defRPr sz="2000" b="1">
+                <a:solidFill>
+                  <a:schemeClr val="tx1"/>
+                </a:solidFill>
+                <a:latin typeface="Arial" panose="020B0604020202020204" pitchFamily="34" charset="0"/>
+              </a:defRPr>
+            </a:lvl9pPr>
+          </a:lstStyle>
+          <a:p>
+            <a:r>
+              <a:rPr lang="zh-CN" altLang="en-US" sz="1600" dirty="0"/>
+              <a:t>打开 </a:t>
+            </a:r>
+            <a:r>
+              <a:rPr lang="en-US" altLang="zh-CN" sz="1600" dirty="0"/>
+              <a:t>git bash </a:t>
+            </a:r>
+            <a:r>
+              <a:rPr lang="zh-CN" altLang="en-US" sz="1600" dirty="0"/>
+              <a:t>或 命令提示符：</a:t>
+            </a:r>
+            <a:endParaRPr lang="en-US" altLang="en-US" sz="1600" dirty="0"/>
+          </a:p>
+          <a:p>
+            <a:endParaRPr lang="zh-CN" altLang="en-US" sz="1600" dirty="0"/>
+          </a:p>
+          <a:p>
+            <a:r>
+              <a:rPr lang="zh-CN" altLang="en-US" sz="1600" u="sng" dirty="0"/>
+              <a:t>怎么获取上课内容：</a:t>
+            </a:r>
+          </a:p>
+          <a:p>
+            <a:r>
+              <a:rPr lang="en-US" altLang="zh-CN" sz="1600" dirty="0"/>
+              <a:t>cd ..</a:t>
+            </a:r>
+          </a:p>
+          <a:p>
+            <a:r>
+              <a:rPr lang="en-US" altLang="zh-CN" sz="1600" dirty="0"/>
+              <a:t>cd ..</a:t>
+            </a:r>
+          </a:p>
+          <a:p>
+            <a:endParaRPr lang="en-US" altLang="zh-CN" sz="1600" dirty="0"/>
+          </a:p>
+          <a:p>
+            <a:r>
+              <a:rPr lang="en-US" altLang="zh-CN" sz="1600" dirty="0"/>
+              <a:t>cd c:/pdm</a:t>
+            </a:r>
+          </a:p>
+          <a:p>
+            <a:r>
+              <a:rPr lang="en-US" altLang="zh-CN" sz="1600" dirty="0"/>
+              <a:t>git pull </a:t>
+            </a:r>
+          </a:p>
+          <a:p>
+            <a:endParaRPr lang="en-US" altLang="zh-CN" sz="1600" dirty="0"/>
+          </a:p>
+          <a:p>
+            <a:r>
+              <a:rPr lang="zh-CN" altLang="en-US" sz="1600" u="sng" dirty="0"/>
+              <a:t>如果有错： </a:t>
+            </a:r>
+          </a:p>
+          <a:p>
+            <a:r>
+              <a:rPr lang="en-US" altLang="zh-CN" sz="1600" dirty="0"/>
+              <a:t>cd ..</a:t>
+            </a:r>
+          </a:p>
+          <a:p>
+            <a:r>
+              <a:rPr lang="en-US" altLang="zh-CN" sz="1600" dirty="0"/>
+              <a:t>cd ..</a:t>
+            </a:r>
+          </a:p>
+          <a:p>
+            <a:r>
+              <a:rPr lang="en-US" altLang="zh-CN" sz="1600" dirty="0"/>
+              <a:t>cd c:/pdm</a:t>
+            </a:r>
+          </a:p>
+          <a:p>
+            <a:r>
+              <a:rPr lang="en-US" altLang="zh-CN" sz="1600" dirty="0"/>
+              <a:t>git stash</a:t>
+            </a:r>
+          </a:p>
+          <a:p>
+            <a:r>
+              <a:rPr lang="en-US" altLang="zh-CN" sz="1600" dirty="0"/>
+              <a:t>git pull </a:t>
+            </a:r>
+          </a:p>
+          <a:p>
+            <a:endParaRPr lang="en-US" altLang="zh-CN" sz="1600" dirty="0"/>
+          </a:p>
+          <a:p>
+            <a:endParaRPr lang="en-US" altLang="zh-CN" sz="1600" dirty="0"/>
+          </a:p>
+          <a:p>
+            <a:r>
+              <a:rPr lang="zh-CN" altLang="en-US" sz="1600" dirty="0"/>
+              <a:t>之后： 打开命令提示符：</a:t>
+            </a:r>
+            <a:endParaRPr lang="en-US" altLang="zh-CN" sz="1600" dirty="0"/>
+          </a:p>
+          <a:p>
+            <a:r>
+              <a:rPr lang="en-US" altLang="zh-CN" sz="1600" dirty="0"/>
+              <a:t>cd c:/pdm</a:t>
+            </a:r>
+          </a:p>
+          <a:p>
+            <a:r>
+              <a:rPr lang="en-US" altLang="zh-CN" sz="1600" dirty="0" err="1"/>
+              <a:t>jupyter</a:t>
+            </a:r>
+            <a:r>
+              <a:rPr lang="en-US" altLang="zh-CN" sz="1600" dirty="0"/>
+              <a:t> lab</a:t>
+            </a:r>
+          </a:p>
+        </p:txBody>
+      </p:sp>
+    </p:spTree>
+    <p:extLst>
+      <p:ext uri="{BB962C8B-B14F-4D97-AF65-F5344CB8AC3E}">
+        <p14:creationId xmlns:p14="http://schemas.microsoft.com/office/powerpoint/2010/main" val="2592306589"/>
+      </p:ext>
+    </p:extLst>
+  </p:cSld>
+  <p:clrMapOvr>
+    <a:masterClrMapping/>
+  </p:clrMapOvr>
+</p:sld>
+</file>
+
+<file path=ppt/slides/slide2.xml><?xml version="1.0" encoding="utf-8"?>
+<p:sld xmlns:a="http://schemas.openxmlformats.org/drawingml/2006/main" xmlns:r="http://schemas.openxmlformats.org/officeDocument/2006/relationships" xmlns:p="http://schemas.openxmlformats.org/presentationml/2006/main">
+  <p:cSld>
+    <p:spTree>
+      <p:nvGrpSpPr>
+        <p:cNvPr id="1" name=""/>
+        <p:cNvGrpSpPr/>
+        <p:nvPr/>
+      </p:nvGrpSpPr>
+      <p:grpSpPr>
+        <a:xfrm>
+          <a:off x="0" y="0"/>
+          <a:ext cx="0" cy="0"/>
+          <a:chOff x="0" y="0"/>
+          <a:chExt cx="0" cy="0"/>
+        </a:xfrm>
+      </p:grpSpPr>
+      <p:sp>
+        <p:nvSpPr>
           <p:cNvPr id="4" name="TextBox 3">
             <a:extLst>
               <a:ext uri="{FF2B5EF4-FFF2-40B4-BE49-F238E27FC236}">
@@ -5040,7 +6716,7 @@
 </p:sld>
 </file>
 
-<file path=ppt/slides/slide10.xml><?xml version="1.0" encoding="utf-8"?>
+<file path=ppt/slides/slide3.xml><?xml version="1.0" encoding="utf-8"?>
 <p:sld xmlns:a="http://schemas.openxmlformats.org/drawingml/2006/main" xmlns:r="http://schemas.openxmlformats.org/officeDocument/2006/relationships" xmlns:p="http://schemas.openxmlformats.org/presentationml/2006/main">
   <p:cSld>
     <p:spTree>
@@ -5108,776 +6784,6 @@
       </p:sp>
       <p:sp>
         <p:nvSpPr>
-          <p:cNvPr id="10" name="Rectangle 9">
-            <a:extLst>
-              <a:ext uri="{FF2B5EF4-FFF2-40B4-BE49-F238E27FC236}">
-                <a16:creationId xmlns:a16="http://schemas.microsoft.com/office/drawing/2014/main" id="{1510A9D2-9B0F-CE65-A9E9-831F782E8464}"/>
-              </a:ext>
-            </a:extLst>
-          </p:cNvPr>
-          <p:cNvSpPr/>
-          <p:nvPr/>
-        </p:nvSpPr>
-        <p:spPr>
-          <a:xfrm>
-            <a:off x="635619" y="247842"/>
-            <a:ext cx="8601879" cy="523220"/>
-          </a:xfrm>
-          <a:prstGeom prst="rect">
-            <a:avLst/>
-          </a:prstGeom>
-        </p:spPr>
-        <p:txBody>
-          <a:bodyPr wrap="square">
-            <a:spAutoFit/>
-          </a:bodyPr>
-          <a:lstStyle/>
-          <a:p>
-            <a:r>
-              <a:rPr lang="en-US" altLang="zh-CN" sz="2800" dirty="0"/>
-              <a:t>In-class project introduction </a:t>
-            </a:r>
-            <a:r>
-              <a:rPr lang="zh-CN" altLang="en-US" sz="2800" dirty="0"/>
-              <a:t>课堂项目介绍</a:t>
-            </a:r>
-            <a:endParaRPr lang="en-US" sz="3600" dirty="0">
-              <a:latin typeface="+mn-lt"/>
-            </a:endParaRPr>
-          </a:p>
-        </p:txBody>
-      </p:sp>
-      <p:sp>
-        <p:nvSpPr>
-          <p:cNvPr id="6" name="TextBox 5">
-            <a:extLst>
-              <a:ext uri="{FF2B5EF4-FFF2-40B4-BE49-F238E27FC236}">
-                <a16:creationId xmlns:a16="http://schemas.microsoft.com/office/drawing/2014/main" id="{23EB4840-530F-8777-5214-45EA32B6695E}"/>
-              </a:ext>
-            </a:extLst>
-          </p:cNvPr>
-          <p:cNvSpPr txBox="1"/>
-          <p:nvPr/>
-        </p:nvSpPr>
-        <p:spPr>
-          <a:xfrm>
-            <a:off x="390329" y="980360"/>
-            <a:ext cx="8601879" cy="400110"/>
-          </a:xfrm>
-          <a:prstGeom prst="rect">
-            <a:avLst/>
-          </a:prstGeom>
-          <a:noFill/>
-        </p:spPr>
-        <p:txBody>
-          <a:bodyPr wrap="square">
-            <a:spAutoFit/>
-          </a:bodyPr>
-          <a:lstStyle/>
-          <a:p>
-            <a:r>
-              <a:rPr lang="en-US" b="1" i="0" dirty="0">
-                <a:solidFill>
-                  <a:srgbClr val="202124"/>
-                </a:solidFill>
-                <a:effectLst/>
-                <a:latin typeface="Roboto" panose="02000000000000000000" pitchFamily="2" charset="0"/>
-              </a:rPr>
-              <a:t>Datasets / </a:t>
-            </a:r>
-            <a:r>
-              <a:rPr lang="zh-CN" altLang="en-US" b="1" i="0" dirty="0">
-                <a:solidFill>
-                  <a:srgbClr val="202124"/>
-                </a:solidFill>
-                <a:effectLst/>
-                <a:latin typeface="Roboto" panose="02000000000000000000" pitchFamily="2" charset="0"/>
-              </a:rPr>
-              <a:t>数据包</a:t>
-            </a:r>
-            <a:endParaRPr lang="en-US" b="1" i="0" dirty="0">
-              <a:solidFill>
-                <a:srgbClr val="202124"/>
-              </a:solidFill>
-              <a:effectLst/>
-              <a:latin typeface="Roboto" panose="02000000000000000000" pitchFamily="2" charset="0"/>
-            </a:endParaRPr>
-          </a:p>
-        </p:txBody>
-      </p:sp>
-      <p:sp>
-        <p:nvSpPr>
-          <p:cNvPr id="2" name="TextBox 1">
-            <a:extLst>
-              <a:ext uri="{FF2B5EF4-FFF2-40B4-BE49-F238E27FC236}">
-                <a16:creationId xmlns:a16="http://schemas.microsoft.com/office/drawing/2014/main" id="{EE2703F0-BDCC-8697-26AF-3BF6F6F6A1CA}"/>
-              </a:ext>
-            </a:extLst>
-          </p:cNvPr>
-          <p:cNvSpPr txBox="1"/>
-          <p:nvPr/>
-        </p:nvSpPr>
-        <p:spPr>
-          <a:xfrm>
-            <a:off x="256478" y="1628078"/>
-            <a:ext cx="8578487" cy="400110"/>
-          </a:xfrm>
-          <a:prstGeom prst="rect">
-            <a:avLst/>
-          </a:prstGeom>
-          <a:noFill/>
-        </p:spPr>
-        <p:txBody>
-          <a:bodyPr wrap="square" rtlCol="0">
-            <a:spAutoFit/>
-          </a:bodyPr>
-          <a:lstStyle/>
-          <a:p>
-            <a:r>
-              <a:rPr lang="zh-CN" altLang="en-US" dirty="0"/>
-              <a:t>（</a:t>
-            </a:r>
-            <a:r>
-              <a:rPr lang="en-US" altLang="zh-CN" dirty="0"/>
-              <a:t>for classification / </a:t>
-            </a:r>
-            <a:r>
-              <a:rPr lang="zh-CN" altLang="en-US" dirty="0"/>
-              <a:t>分类）</a:t>
-            </a:r>
-            <a:endParaRPr lang="en-US" dirty="0"/>
-          </a:p>
-        </p:txBody>
-      </p:sp>
-      <p:graphicFrame>
-        <p:nvGraphicFramePr>
-          <p:cNvPr id="9" name="Object 8">
-            <a:extLst>
-              <a:ext uri="{FF2B5EF4-FFF2-40B4-BE49-F238E27FC236}">
-                <a16:creationId xmlns:a16="http://schemas.microsoft.com/office/drawing/2014/main" id="{5AF70B8A-7203-3873-26BC-7AAB1AE2A8B0}"/>
-              </a:ext>
-            </a:extLst>
-          </p:cNvPr>
-          <p:cNvGraphicFramePr>
-            <a:graphicFrameLocks noChangeAspect="1"/>
-          </p:cNvGraphicFramePr>
-          <p:nvPr>
-            <p:extLst>
-              <p:ext uri="{D42A27DB-BD31-4B8C-83A1-F6EECF244321}">
-                <p14:modId xmlns:p14="http://schemas.microsoft.com/office/powerpoint/2010/main" val="2035545235"/>
-              </p:ext>
-            </p:extLst>
-          </p:nvPr>
-        </p:nvGraphicFramePr>
-        <p:xfrm>
-          <a:off x="925551" y="2257425"/>
-          <a:ext cx="7757985" cy="1656653"/>
-        </p:xfrm>
-        <a:graphic>
-          <a:graphicData uri="http://schemas.openxmlformats.org/presentationml/2006/ole">
-            <mc:AlternateContent xmlns:mc="http://schemas.openxmlformats.org/markup-compatibility/2006">
-              <mc:Choice xmlns:v="urn:schemas-microsoft-com:vml" Requires="v">
-                <p:oleObj name="Worksheet" r:id="rId2" imgW="5486400" imgH="1171474" progId="Excel.Sheet.12">
-                  <p:embed/>
-                </p:oleObj>
-              </mc:Choice>
-              <mc:Fallback>
-                <p:oleObj name="Worksheet" r:id="rId2" imgW="5486400" imgH="1171474" progId="Excel.Sheet.12">
-                  <p:embed/>
-                  <p:pic>
-                    <p:nvPicPr>
-                      <p:cNvPr id="0" name=""/>
-                      <p:cNvPicPr/>
-                      <p:nvPr/>
-                    </p:nvPicPr>
-                    <p:blipFill>
-                      <a:blip r:embed="rId3"/>
-                      <a:stretch>
-                        <a:fillRect/>
-                      </a:stretch>
-                    </p:blipFill>
-                    <p:spPr>
-                      <a:xfrm>
-                        <a:off x="925551" y="2257425"/>
-                        <a:ext cx="7757985" cy="1656653"/>
-                      </a:xfrm>
-                      <a:prstGeom prst="rect">
-                        <a:avLst/>
-                      </a:prstGeom>
-                    </p:spPr>
-                  </p:pic>
-                </p:oleObj>
-              </mc:Fallback>
-            </mc:AlternateContent>
-          </a:graphicData>
-        </a:graphic>
-      </p:graphicFrame>
-    </p:spTree>
-    <p:extLst>
-      <p:ext uri="{BB962C8B-B14F-4D97-AF65-F5344CB8AC3E}">
-        <p14:creationId xmlns:p14="http://schemas.microsoft.com/office/powerpoint/2010/main" val="1946204435"/>
-      </p:ext>
-    </p:extLst>
-  </p:cSld>
-  <p:clrMapOvr>
-    <a:masterClrMapping/>
-  </p:clrMapOvr>
-</p:sld>
-</file>
-
-<file path=ppt/slides/slide11.xml><?xml version="1.0" encoding="utf-8"?>
-<p:sld xmlns:a="http://schemas.openxmlformats.org/drawingml/2006/main" xmlns:r="http://schemas.openxmlformats.org/officeDocument/2006/relationships" xmlns:p="http://schemas.openxmlformats.org/presentationml/2006/main">
-  <p:cSld>
-    <p:spTree>
-      <p:nvGrpSpPr>
-        <p:cNvPr id="1" name=""/>
-        <p:cNvGrpSpPr/>
-        <p:nvPr/>
-      </p:nvGrpSpPr>
-      <p:grpSpPr>
-        <a:xfrm>
-          <a:off x="0" y="0"/>
-          <a:ext cx="0" cy="0"/>
-          <a:chOff x="0" y="0"/>
-          <a:chExt cx="0" cy="0"/>
-        </a:xfrm>
-      </p:grpSpPr>
-      <p:sp>
-        <p:nvSpPr>
-          <p:cNvPr id="61442" name="TextBox 1">
-            <a:extLst>
-              <a:ext uri="{FF2B5EF4-FFF2-40B4-BE49-F238E27FC236}">
-                <a16:creationId xmlns:a16="http://schemas.microsoft.com/office/drawing/2014/main" id="{CCA4D2A6-DF5B-46CF-AB6A-377136AFF756}"/>
-              </a:ext>
-            </a:extLst>
-          </p:cNvPr>
-          <p:cNvSpPr txBox="1">
-            <a:spLocks noChangeArrowheads="1"/>
-          </p:cNvSpPr>
-          <p:nvPr/>
-        </p:nvSpPr>
-        <p:spPr bwMode="auto">
-          <a:xfrm>
-            <a:off x="3765550" y="2663825"/>
-            <a:ext cx="1168400" cy="523875"/>
-          </a:xfrm>
-          <a:prstGeom prst="rect">
-            <a:avLst/>
-          </a:prstGeom>
-          <a:noFill/>
-          <a:ln>
-            <a:noFill/>
-          </a:ln>
-          <a:extLst>
-            <a:ext uri="{909E8E84-426E-40DD-AFC4-6F175D3DCCD1}">
-              <a14:hiddenFill xmlns:a14="http://schemas.microsoft.com/office/drawing/2010/main">
-                <a:solidFill>
-                  <a:srgbClr val="FFFFFF"/>
-                </a:solidFill>
-              </a14:hiddenFill>
-            </a:ext>
-            <a:ext uri="{91240B29-F687-4F45-9708-019B960494DF}">
-              <a14:hiddenLine xmlns:a14="http://schemas.microsoft.com/office/drawing/2010/main" w="9525">
-                <a:solidFill>
-                  <a:srgbClr val="000000"/>
-                </a:solidFill>
-                <a:miter lim="800000"/>
-                <a:headEnd/>
-                <a:tailEnd/>
-              </a14:hiddenLine>
-            </a:ext>
-          </a:extLst>
-        </p:spPr>
-        <p:txBody>
-          <a:bodyPr wrap="none">
-            <a:spAutoFit/>
-          </a:bodyPr>
-          <a:lstStyle>
-            <a:lvl1pPr>
-              <a:defRPr sz="2000" b="1">
-                <a:solidFill>
-                  <a:schemeClr val="tx1"/>
-                </a:solidFill>
-                <a:latin typeface="Arial" panose="020B0604020202020204" pitchFamily="34" charset="0"/>
-              </a:defRPr>
-            </a:lvl1pPr>
-            <a:lvl2pPr marL="742950" indent="-285750">
-              <a:defRPr sz="2000" b="1">
-                <a:solidFill>
-                  <a:schemeClr val="tx1"/>
-                </a:solidFill>
-                <a:latin typeface="Arial" panose="020B0604020202020204" pitchFamily="34" charset="0"/>
-              </a:defRPr>
-            </a:lvl2pPr>
-            <a:lvl3pPr marL="1143000" indent="-228600">
-              <a:defRPr sz="2000" b="1">
-                <a:solidFill>
-                  <a:schemeClr val="tx1"/>
-                </a:solidFill>
-                <a:latin typeface="Arial" panose="020B0604020202020204" pitchFamily="34" charset="0"/>
-              </a:defRPr>
-            </a:lvl3pPr>
-            <a:lvl4pPr marL="1600200" indent="-228600">
-              <a:defRPr sz="2000" b="1">
-                <a:solidFill>
-                  <a:schemeClr val="tx1"/>
-                </a:solidFill>
-                <a:latin typeface="Arial" panose="020B0604020202020204" pitchFamily="34" charset="0"/>
-              </a:defRPr>
-            </a:lvl4pPr>
-            <a:lvl5pPr marL="2057400" indent="-228600">
-              <a:defRPr sz="2000" b="1">
-                <a:solidFill>
-                  <a:schemeClr val="tx1"/>
-                </a:solidFill>
-                <a:latin typeface="Arial" panose="020B0604020202020204" pitchFamily="34" charset="0"/>
-              </a:defRPr>
-            </a:lvl5pPr>
-            <a:lvl6pPr marL="2514600" indent="-228600" eaLnBrk="0" fontAlgn="base" hangingPunct="0">
-              <a:spcBef>
-                <a:spcPct val="0"/>
-              </a:spcBef>
-              <a:spcAft>
-                <a:spcPct val="0"/>
-              </a:spcAft>
-              <a:defRPr sz="2000" b="1">
-                <a:solidFill>
-                  <a:schemeClr val="tx1"/>
-                </a:solidFill>
-                <a:latin typeface="Arial" panose="020B0604020202020204" pitchFamily="34" charset="0"/>
-              </a:defRPr>
-            </a:lvl6pPr>
-            <a:lvl7pPr marL="2971800" indent="-228600" eaLnBrk="0" fontAlgn="base" hangingPunct="0">
-              <a:spcBef>
-                <a:spcPct val="0"/>
-              </a:spcBef>
-              <a:spcAft>
-                <a:spcPct val="0"/>
-              </a:spcAft>
-              <a:defRPr sz="2000" b="1">
-                <a:solidFill>
-                  <a:schemeClr val="tx1"/>
-                </a:solidFill>
-                <a:latin typeface="Arial" panose="020B0604020202020204" pitchFamily="34" charset="0"/>
-              </a:defRPr>
-            </a:lvl7pPr>
-            <a:lvl8pPr marL="3429000" indent="-228600" eaLnBrk="0" fontAlgn="base" hangingPunct="0">
-              <a:spcBef>
-                <a:spcPct val="0"/>
-              </a:spcBef>
-              <a:spcAft>
-                <a:spcPct val="0"/>
-              </a:spcAft>
-              <a:defRPr sz="2000" b="1">
-                <a:solidFill>
-                  <a:schemeClr val="tx1"/>
-                </a:solidFill>
-                <a:latin typeface="Arial" panose="020B0604020202020204" pitchFamily="34" charset="0"/>
-              </a:defRPr>
-            </a:lvl8pPr>
-            <a:lvl9pPr marL="3886200" indent="-228600" eaLnBrk="0" fontAlgn="base" hangingPunct="0">
-              <a:spcBef>
-                <a:spcPct val="0"/>
-              </a:spcBef>
-              <a:spcAft>
-                <a:spcPct val="0"/>
-              </a:spcAft>
-              <a:defRPr sz="2000" b="1">
-                <a:solidFill>
-                  <a:schemeClr val="tx1"/>
-                </a:solidFill>
-                <a:latin typeface="Arial" panose="020B0604020202020204" pitchFamily="34" charset="0"/>
-              </a:defRPr>
-            </a:lvl9pPr>
-          </a:lstStyle>
-          <a:p>
-            <a:r>
-              <a:rPr lang="en-US" altLang="en-US" sz="2800"/>
-              <a:t>Q &amp; A</a:t>
-            </a:r>
-          </a:p>
-        </p:txBody>
-      </p:sp>
-    </p:spTree>
-    <p:extLst>
-      <p:ext uri="{BB962C8B-B14F-4D97-AF65-F5344CB8AC3E}">
-        <p14:creationId xmlns:p14="http://schemas.microsoft.com/office/powerpoint/2010/main" val="976400815"/>
-      </p:ext>
-    </p:extLst>
-  </p:cSld>
-  <p:clrMapOvr>
-    <a:masterClrMapping/>
-  </p:clrMapOvr>
-</p:sld>
-</file>
-
-<file path=ppt/slides/slide12.xml><?xml version="1.0" encoding="utf-8"?>
-<p:sld xmlns:a="http://schemas.openxmlformats.org/drawingml/2006/main" xmlns:r="http://schemas.openxmlformats.org/officeDocument/2006/relationships" xmlns:p="http://schemas.openxmlformats.org/presentationml/2006/main">
-  <p:cSld>
-    <p:spTree>
-      <p:nvGrpSpPr>
-        <p:cNvPr id="1" name=""/>
-        <p:cNvGrpSpPr/>
-        <p:nvPr/>
-      </p:nvGrpSpPr>
-      <p:grpSpPr>
-        <a:xfrm>
-          <a:off x="0" y="0"/>
-          <a:ext cx="0" cy="0"/>
-          <a:chOff x="0" y="0"/>
-          <a:chExt cx="0" cy="0"/>
-        </a:xfrm>
-      </p:grpSpPr>
-      <p:sp>
-        <p:nvSpPr>
-          <p:cNvPr id="61442" name="TextBox 1">
-            <a:extLst>
-              <a:ext uri="{FF2B5EF4-FFF2-40B4-BE49-F238E27FC236}">
-                <a16:creationId xmlns:a16="http://schemas.microsoft.com/office/drawing/2014/main" id="{CCA4D2A6-DF5B-46CF-AB6A-377136AFF756}"/>
-              </a:ext>
-            </a:extLst>
-          </p:cNvPr>
-          <p:cNvSpPr txBox="1">
-            <a:spLocks noChangeArrowheads="1"/>
-          </p:cNvSpPr>
-          <p:nvPr/>
-        </p:nvSpPr>
-        <p:spPr bwMode="auto">
-          <a:xfrm>
-            <a:off x="721265" y="1098628"/>
-            <a:ext cx="8121651" cy="5016758"/>
-          </a:xfrm>
-          <a:prstGeom prst="rect">
-            <a:avLst/>
-          </a:prstGeom>
-          <a:noFill/>
-          <a:ln>
-            <a:noFill/>
-          </a:ln>
-          <a:extLst>
-            <a:ext uri="{909E8E84-426E-40DD-AFC4-6F175D3DCCD1}">
-              <a14:hiddenFill xmlns:a14="http://schemas.microsoft.com/office/drawing/2010/main">
-                <a:solidFill>
-                  <a:srgbClr val="FFFFFF"/>
-                </a:solidFill>
-              </a14:hiddenFill>
-            </a:ext>
-            <a:ext uri="{91240B29-F687-4F45-9708-019B960494DF}">
-              <a14:hiddenLine xmlns:a14="http://schemas.microsoft.com/office/drawing/2010/main" w="9525">
-                <a:solidFill>
-                  <a:srgbClr val="000000"/>
-                </a:solidFill>
-                <a:miter lim="800000"/>
-                <a:headEnd/>
-                <a:tailEnd/>
-              </a14:hiddenLine>
-            </a:ext>
-          </a:extLst>
-        </p:spPr>
-        <p:txBody>
-          <a:bodyPr wrap="square">
-            <a:spAutoFit/>
-          </a:bodyPr>
-          <a:lstStyle>
-            <a:lvl1pPr>
-              <a:defRPr sz="2000" b="1">
-                <a:solidFill>
-                  <a:schemeClr val="tx1"/>
-                </a:solidFill>
-                <a:latin typeface="Arial" panose="020B0604020202020204" pitchFamily="34" charset="0"/>
-              </a:defRPr>
-            </a:lvl1pPr>
-            <a:lvl2pPr marL="742950" indent="-285750">
-              <a:defRPr sz="2000" b="1">
-                <a:solidFill>
-                  <a:schemeClr val="tx1"/>
-                </a:solidFill>
-                <a:latin typeface="Arial" panose="020B0604020202020204" pitchFamily="34" charset="0"/>
-              </a:defRPr>
-            </a:lvl2pPr>
-            <a:lvl3pPr marL="1143000" indent="-228600">
-              <a:defRPr sz="2000" b="1">
-                <a:solidFill>
-                  <a:schemeClr val="tx1"/>
-                </a:solidFill>
-                <a:latin typeface="Arial" panose="020B0604020202020204" pitchFamily="34" charset="0"/>
-              </a:defRPr>
-            </a:lvl3pPr>
-            <a:lvl4pPr marL="1600200" indent="-228600">
-              <a:defRPr sz="2000" b="1">
-                <a:solidFill>
-                  <a:schemeClr val="tx1"/>
-                </a:solidFill>
-                <a:latin typeface="Arial" panose="020B0604020202020204" pitchFamily="34" charset="0"/>
-              </a:defRPr>
-            </a:lvl4pPr>
-            <a:lvl5pPr marL="2057400" indent="-228600">
-              <a:defRPr sz="2000" b="1">
-                <a:solidFill>
-                  <a:schemeClr val="tx1"/>
-                </a:solidFill>
-                <a:latin typeface="Arial" panose="020B0604020202020204" pitchFamily="34" charset="0"/>
-              </a:defRPr>
-            </a:lvl5pPr>
-            <a:lvl6pPr marL="2514600" indent="-228600" eaLnBrk="0" fontAlgn="base" hangingPunct="0">
-              <a:spcBef>
-                <a:spcPct val="0"/>
-              </a:spcBef>
-              <a:spcAft>
-                <a:spcPct val="0"/>
-              </a:spcAft>
-              <a:defRPr sz="2000" b="1">
-                <a:solidFill>
-                  <a:schemeClr val="tx1"/>
-                </a:solidFill>
-                <a:latin typeface="Arial" panose="020B0604020202020204" pitchFamily="34" charset="0"/>
-              </a:defRPr>
-            </a:lvl6pPr>
-            <a:lvl7pPr marL="2971800" indent="-228600" eaLnBrk="0" fontAlgn="base" hangingPunct="0">
-              <a:spcBef>
-                <a:spcPct val="0"/>
-              </a:spcBef>
-              <a:spcAft>
-                <a:spcPct val="0"/>
-              </a:spcAft>
-              <a:defRPr sz="2000" b="1">
-                <a:solidFill>
-                  <a:schemeClr val="tx1"/>
-                </a:solidFill>
-                <a:latin typeface="Arial" panose="020B0604020202020204" pitchFamily="34" charset="0"/>
-              </a:defRPr>
-            </a:lvl7pPr>
-            <a:lvl8pPr marL="3429000" indent="-228600" eaLnBrk="0" fontAlgn="base" hangingPunct="0">
-              <a:spcBef>
-                <a:spcPct val="0"/>
-              </a:spcBef>
-              <a:spcAft>
-                <a:spcPct val="0"/>
-              </a:spcAft>
-              <a:defRPr sz="2000" b="1">
-                <a:solidFill>
-                  <a:schemeClr val="tx1"/>
-                </a:solidFill>
-                <a:latin typeface="Arial" panose="020B0604020202020204" pitchFamily="34" charset="0"/>
-              </a:defRPr>
-            </a:lvl8pPr>
-            <a:lvl9pPr marL="3886200" indent="-228600" eaLnBrk="0" fontAlgn="base" hangingPunct="0">
-              <a:spcBef>
-                <a:spcPct val="0"/>
-              </a:spcBef>
-              <a:spcAft>
-                <a:spcPct val="0"/>
-              </a:spcAft>
-              <a:defRPr sz="2000" b="1">
-                <a:solidFill>
-                  <a:schemeClr val="tx1"/>
-                </a:solidFill>
-                <a:latin typeface="Arial" panose="020B0604020202020204" pitchFamily="34" charset="0"/>
-              </a:defRPr>
-            </a:lvl9pPr>
-          </a:lstStyle>
-          <a:p>
-            <a:r>
-              <a:rPr lang="zh-CN" altLang="en-US" sz="1600" dirty="0"/>
-              <a:t>打开 </a:t>
-            </a:r>
-            <a:r>
-              <a:rPr lang="en-US" altLang="zh-CN" sz="1600" dirty="0"/>
-              <a:t>git bash </a:t>
-            </a:r>
-            <a:r>
-              <a:rPr lang="zh-CN" altLang="en-US" sz="1600" dirty="0"/>
-              <a:t>或 命令提示符：</a:t>
-            </a:r>
-            <a:endParaRPr lang="en-US" altLang="en-US" sz="1600" dirty="0"/>
-          </a:p>
-          <a:p>
-            <a:endParaRPr lang="zh-CN" altLang="en-US" sz="1600" dirty="0"/>
-          </a:p>
-          <a:p>
-            <a:r>
-              <a:rPr lang="zh-CN" altLang="en-US" sz="1600" u="sng" dirty="0"/>
-              <a:t>怎么获取上课内容：</a:t>
-            </a:r>
-          </a:p>
-          <a:p>
-            <a:r>
-              <a:rPr lang="en-US" altLang="zh-CN" sz="1600" dirty="0"/>
-              <a:t>cd ..</a:t>
-            </a:r>
-          </a:p>
-          <a:p>
-            <a:r>
-              <a:rPr lang="en-US" altLang="zh-CN" sz="1600" dirty="0"/>
-              <a:t>cd ..</a:t>
-            </a:r>
-          </a:p>
-          <a:p>
-            <a:endParaRPr lang="en-US" altLang="zh-CN" sz="1600" dirty="0"/>
-          </a:p>
-          <a:p>
-            <a:r>
-              <a:rPr lang="en-US" altLang="zh-CN" sz="1600" dirty="0"/>
-              <a:t>cd c:/pdm</a:t>
-            </a:r>
-          </a:p>
-          <a:p>
-            <a:r>
-              <a:rPr lang="en-US" altLang="zh-CN" sz="1600" dirty="0"/>
-              <a:t>git pull </a:t>
-            </a:r>
-          </a:p>
-          <a:p>
-            <a:endParaRPr lang="en-US" altLang="zh-CN" sz="1600" dirty="0"/>
-          </a:p>
-          <a:p>
-            <a:r>
-              <a:rPr lang="zh-CN" altLang="en-US" sz="1600" u="sng" dirty="0"/>
-              <a:t>如果有错： </a:t>
-            </a:r>
-          </a:p>
-          <a:p>
-            <a:r>
-              <a:rPr lang="en-US" altLang="zh-CN" sz="1600" dirty="0"/>
-              <a:t>cd ..</a:t>
-            </a:r>
-          </a:p>
-          <a:p>
-            <a:r>
-              <a:rPr lang="en-US" altLang="zh-CN" sz="1600" dirty="0"/>
-              <a:t>cd ..</a:t>
-            </a:r>
-          </a:p>
-          <a:p>
-            <a:r>
-              <a:rPr lang="en-US" altLang="zh-CN" sz="1600" dirty="0"/>
-              <a:t>cd c:/pdm</a:t>
-            </a:r>
-          </a:p>
-          <a:p>
-            <a:r>
-              <a:rPr lang="en-US" altLang="zh-CN" sz="1600" dirty="0"/>
-              <a:t>git stash</a:t>
-            </a:r>
-          </a:p>
-          <a:p>
-            <a:r>
-              <a:rPr lang="en-US" altLang="zh-CN" sz="1600" dirty="0"/>
-              <a:t>git pull </a:t>
-            </a:r>
-          </a:p>
-          <a:p>
-            <a:endParaRPr lang="en-US" altLang="zh-CN" sz="1600" dirty="0"/>
-          </a:p>
-          <a:p>
-            <a:endParaRPr lang="en-US" altLang="zh-CN" sz="1600" dirty="0"/>
-          </a:p>
-          <a:p>
-            <a:r>
-              <a:rPr lang="zh-CN" altLang="en-US" sz="1600" dirty="0"/>
-              <a:t>之后： 打开命令提示符：</a:t>
-            </a:r>
-            <a:endParaRPr lang="en-US" altLang="zh-CN" sz="1600" dirty="0"/>
-          </a:p>
-          <a:p>
-            <a:r>
-              <a:rPr lang="en-US" altLang="zh-CN" sz="1600" dirty="0"/>
-              <a:t>cd c:/pdm</a:t>
-            </a:r>
-          </a:p>
-          <a:p>
-            <a:r>
-              <a:rPr lang="en-US" altLang="zh-CN" sz="1600" dirty="0" err="1"/>
-              <a:t>jupyter</a:t>
-            </a:r>
-            <a:r>
-              <a:rPr lang="en-US" altLang="zh-CN" sz="1600" dirty="0"/>
-              <a:t> lab</a:t>
-            </a:r>
-          </a:p>
-        </p:txBody>
-      </p:sp>
-    </p:spTree>
-    <p:extLst>
-      <p:ext uri="{BB962C8B-B14F-4D97-AF65-F5344CB8AC3E}">
-        <p14:creationId xmlns:p14="http://schemas.microsoft.com/office/powerpoint/2010/main" val="2592306589"/>
-      </p:ext>
-    </p:extLst>
-  </p:cSld>
-  <p:clrMapOvr>
-    <a:masterClrMapping/>
-  </p:clrMapOvr>
-</p:sld>
-</file>
-
-<file path=ppt/slides/slide2.xml><?xml version="1.0" encoding="utf-8"?>
-<p:sld xmlns:a="http://schemas.openxmlformats.org/drawingml/2006/main" xmlns:r="http://schemas.openxmlformats.org/officeDocument/2006/relationships" xmlns:p="http://schemas.openxmlformats.org/presentationml/2006/main">
-  <p:cSld>
-    <p:spTree>
-      <p:nvGrpSpPr>
-        <p:cNvPr id="1" name=""/>
-        <p:cNvGrpSpPr/>
-        <p:nvPr/>
-      </p:nvGrpSpPr>
-      <p:grpSpPr>
-        <a:xfrm>
-          <a:off x="0" y="0"/>
-          <a:ext cx="0" cy="0"/>
-          <a:chOff x="0" y="0"/>
-          <a:chExt cx="0" cy="0"/>
-        </a:xfrm>
-      </p:grpSpPr>
-      <p:sp>
-        <p:nvSpPr>
-          <p:cNvPr id="3" name="TextBox 2">
-            <a:extLst>
-              <a:ext uri="{FF2B5EF4-FFF2-40B4-BE49-F238E27FC236}">
-                <a16:creationId xmlns:a16="http://schemas.microsoft.com/office/drawing/2014/main" id="{AF8FC9BB-9DB2-095C-1565-78DB9BCA5227}"/>
-              </a:ext>
-            </a:extLst>
-          </p:cNvPr>
-          <p:cNvSpPr txBox="1"/>
-          <p:nvPr/>
-        </p:nvSpPr>
-        <p:spPr>
-          <a:xfrm>
-            <a:off x="7165428" y="857250"/>
-            <a:ext cx="1978573" cy="323165"/>
-          </a:xfrm>
-          <a:prstGeom prst="rect">
-            <a:avLst/>
-          </a:prstGeom>
-          <a:noFill/>
-        </p:spPr>
-        <p:txBody>
-          <a:bodyPr wrap="square" rtlCol="0">
-            <a:spAutoFit/>
-          </a:bodyPr>
-          <a:lstStyle/>
-          <a:p>
-            <a:pPr algn="r"/>
-            <a:r>
-              <a:rPr lang="en-US" altLang="zh-CN" sz="1500" dirty="0">
-                <a:solidFill>
-                  <a:schemeClr val="bg1">
-                    <a:lumMod val="85000"/>
-                  </a:schemeClr>
-                </a:solidFill>
-              </a:rPr>
-              <a:t>AAFIE, 2022</a:t>
-            </a:r>
-            <a:endParaRPr lang="en-US" sz="1500" dirty="0">
-              <a:solidFill>
-                <a:schemeClr val="bg1">
-                  <a:lumMod val="85000"/>
-                </a:schemeClr>
-              </a:solidFill>
-            </a:endParaRPr>
-          </a:p>
-        </p:txBody>
-      </p:sp>
-      <p:sp>
-        <p:nvSpPr>
           <p:cNvPr id="10" name="TextBox 9">
             <a:extLst>
               <a:ext uri="{FF2B5EF4-FFF2-40B4-BE49-F238E27FC236}">
@@ -5963,280 +6869,6 @@
     <p:extLst>
       <p:ext uri="{BB962C8B-B14F-4D97-AF65-F5344CB8AC3E}">
         <p14:creationId xmlns:p14="http://schemas.microsoft.com/office/powerpoint/2010/main" val="2598564755"/>
-      </p:ext>
-    </p:extLst>
-  </p:cSld>
-  <p:clrMapOvr>
-    <a:masterClrMapping/>
-  </p:clrMapOvr>
-</p:sld>
-</file>
-
-<file path=ppt/slides/slide3.xml><?xml version="1.0" encoding="utf-8"?>
-<p:sld xmlns:a="http://schemas.openxmlformats.org/drawingml/2006/main" xmlns:r="http://schemas.openxmlformats.org/officeDocument/2006/relationships" xmlns:p="http://schemas.openxmlformats.org/presentationml/2006/main">
-  <p:cSld>
-    <p:spTree>
-      <p:nvGrpSpPr>
-        <p:cNvPr id="1" name=""/>
-        <p:cNvGrpSpPr/>
-        <p:nvPr/>
-      </p:nvGrpSpPr>
-      <p:grpSpPr>
-        <a:xfrm>
-          <a:off x="0" y="0"/>
-          <a:ext cx="0" cy="0"/>
-          <a:chOff x="0" y="0"/>
-          <a:chExt cx="0" cy="0"/>
-        </a:xfrm>
-      </p:grpSpPr>
-      <p:sp>
-        <p:nvSpPr>
-          <p:cNvPr id="2" name="Title 1">
-            <a:extLst>
-              <a:ext uri="{FF2B5EF4-FFF2-40B4-BE49-F238E27FC236}">
-                <a16:creationId xmlns:a16="http://schemas.microsoft.com/office/drawing/2014/main" id="{F19762D9-7C7C-B5F0-5954-BEF25A6623EA}"/>
-              </a:ext>
-            </a:extLst>
-          </p:cNvPr>
-          <p:cNvSpPr>
-            <a:spLocks noGrp="1"/>
-          </p:cNvSpPr>
-          <p:nvPr>
-            <p:ph type="ctrTitle"/>
-          </p:nvPr>
-        </p:nvSpPr>
-        <p:spPr>
-          <a:xfrm>
-            <a:off x="1" y="1317753"/>
-            <a:ext cx="9032488" cy="3521875"/>
-          </a:xfrm>
-        </p:spPr>
-        <p:txBody>
-          <a:bodyPr>
-            <a:normAutofit/>
-          </a:bodyPr>
-          <a:lstStyle/>
-          <a:p>
-            <a:pPr algn="l"/>
-            <a:r>
-              <a:rPr lang="en-US" sz="3000" b="1" dirty="0"/>
-              <a:t>10/09/2022</a:t>
-            </a:r>
-            <a:br>
-              <a:rPr lang="en-US" sz="3000" b="1" dirty="0"/>
-            </a:br>
-            <a:br>
-              <a:rPr lang="en-US" sz="3000" b="1" dirty="0"/>
-            </a:br>
-            <a:r>
-              <a:rPr lang="en-US" altLang="zh-CN" sz="3000" b="1" dirty="0"/>
-              <a:t>Welcome Back!</a:t>
-            </a:r>
-            <a:endParaRPr lang="en-US" sz="3000" dirty="0"/>
-          </a:p>
-        </p:txBody>
-      </p:sp>
-      <p:sp>
-        <p:nvSpPr>
-          <p:cNvPr id="3" name="TextBox 2">
-            <a:extLst>
-              <a:ext uri="{FF2B5EF4-FFF2-40B4-BE49-F238E27FC236}">
-                <a16:creationId xmlns:a16="http://schemas.microsoft.com/office/drawing/2014/main" id="{AF8FC9BB-9DB2-095C-1565-78DB9BCA5227}"/>
-              </a:ext>
-            </a:extLst>
-          </p:cNvPr>
-          <p:cNvSpPr txBox="1"/>
-          <p:nvPr/>
-        </p:nvSpPr>
-        <p:spPr>
-          <a:xfrm>
-            <a:off x="7165428" y="857250"/>
-            <a:ext cx="1978573" cy="323165"/>
-          </a:xfrm>
-          <a:prstGeom prst="rect">
-            <a:avLst/>
-          </a:prstGeom>
-          <a:noFill/>
-        </p:spPr>
-        <p:txBody>
-          <a:bodyPr wrap="square" rtlCol="0">
-            <a:spAutoFit/>
-          </a:bodyPr>
-          <a:lstStyle/>
-          <a:p>
-            <a:pPr algn="r"/>
-            <a:r>
-              <a:rPr lang="en-US" altLang="zh-CN" sz="1500" dirty="0">
-                <a:solidFill>
-                  <a:schemeClr val="bg1">
-                    <a:lumMod val="85000"/>
-                  </a:schemeClr>
-                </a:solidFill>
-              </a:rPr>
-              <a:t>AAFIE, 2022</a:t>
-            </a:r>
-            <a:endParaRPr lang="en-US" sz="1500" dirty="0">
-              <a:solidFill>
-                <a:schemeClr val="bg1">
-                  <a:lumMod val="85000"/>
-                </a:schemeClr>
-              </a:solidFill>
-            </a:endParaRPr>
-          </a:p>
-        </p:txBody>
-      </p:sp>
-      <p:sp>
-        <p:nvSpPr>
-          <p:cNvPr id="6" name="TextBox 5">
-            <a:extLst>
-              <a:ext uri="{FF2B5EF4-FFF2-40B4-BE49-F238E27FC236}">
-                <a16:creationId xmlns:a16="http://schemas.microsoft.com/office/drawing/2014/main" id="{F46F599D-4A46-30EB-7FF9-190285EB25B6}"/>
-              </a:ext>
-            </a:extLst>
-          </p:cNvPr>
-          <p:cNvSpPr txBox="1"/>
-          <p:nvPr/>
-        </p:nvSpPr>
-        <p:spPr>
-          <a:xfrm>
-            <a:off x="6668429" y="4638151"/>
-            <a:ext cx="2475571" cy="1015663"/>
-          </a:xfrm>
-          <a:prstGeom prst="rect">
-            <a:avLst/>
-          </a:prstGeom>
-          <a:noFill/>
-        </p:spPr>
-        <p:txBody>
-          <a:bodyPr wrap="square">
-            <a:spAutoFit/>
-          </a:bodyPr>
-          <a:lstStyle/>
-          <a:p>
-            <a:r>
-              <a:rPr lang="zh-CN" altLang="en-US" sz="1500" dirty="0"/>
-              <a:t>第一节：</a:t>
-            </a:r>
-            <a:r>
-              <a:rPr lang="en-US" sz="1500" dirty="0"/>
-              <a:t>8:30-9:15</a:t>
-            </a:r>
-          </a:p>
-          <a:p>
-            <a:r>
-              <a:rPr lang="zh-CN" altLang="en-US" sz="1500" dirty="0"/>
-              <a:t>第二节： </a:t>
-            </a:r>
-            <a:r>
-              <a:rPr lang="en-US" sz="1500" dirty="0"/>
-              <a:t>9:20-10:05</a:t>
-            </a:r>
-          </a:p>
-          <a:p>
-            <a:r>
-              <a:rPr lang="zh-CN" altLang="en-US" sz="1500" dirty="0"/>
-              <a:t>第三节： </a:t>
-            </a:r>
-            <a:r>
-              <a:rPr lang="en-US" sz="1500" dirty="0"/>
-              <a:t>10:15-11:00</a:t>
-            </a:r>
-          </a:p>
-          <a:p>
-            <a:r>
-              <a:rPr lang="zh-CN" altLang="en-US" sz="1500" dirty="0"/>
-              <a:t>第四节： </a:t>
-            </a:r>
-            <a:r>
-              <a:rPr lang="en-US" sz="1500" dirty="0"/>
-              <a:t>11:05-11:50</a:t>
-            </a:r>
-          </a:p>
-        </p:txBody>
-      </p:sp>
-      <p:sp>
-        <p:nvSpPr>
-          <p:cNvPr id="5" name="TextBox 4">
-            <a:extLst>
-              <a:ext uri="{FF2B5EF4-FFF2-40B4-BE49-F238E27FC236}">
-                <a16:creationId xmlns:a16="http://schemas.microsoft.com/office/drawing/2014/main" id="{37FD2185-0182-EE83-3683-2C77442703F1}"/>
-              </a:ext>
-            </a:extLst>
-          </p:cNvPr>
-          <p:cNvSpPr txBox="1"/>
-          <p:nvPr/>
-        </p:nvSpPr>
-        <p:spPr>
-          <a:xfrm>
-            <a:off x="78059" y="103457"/>
-            <a:ext cx="7828156" cy="523220"/>
-          </a:xfrm>
-          <a:prstGeom prst="rect">
-            <a:avLst/>
-          </a:prstGeom>
-          <a:noFill/>
-        </p:spPr>
-        <p:txBody>
-          <a:bodyPr wrap="square">
-            <a:spAutoFit/>
-          </a:bodyPr>
-          <a:lstStyle/>
-          <a:p>
-            <a:r>
-              <a:rPr lang="en-US" altLang="zh-CN" sz="2800" b="1" dirty="0" err="1"/>
-              <a:t>Pmd</a:t>
-            </a:r>
-            <a:r>
-              <a:rPr lang="en-US" altLang="zh-CN" sz="2800" b="1" dirty="0"/>
-              <a:t> Logistics / </a:t>
-            </a:r>
-            <a:r>
-              <a:rPr lang="zh-CN" altLang="en-US" sz="2800" b="1" dirty="0"/>
-              <a:t>预备</a:t>
-            </a:r>
-            <a:endParaRPr lang="en-US" sz="2800" dirty="0"/>
-          </a:p>
-        </p:txBody>
-      </p:sp>
-      <p:sp>
-        <p:nvSpPr>
-          <p:cNvPr id="7" name="TextBox 6">
-            <a:extLst>
-              <a:ext uri="{FF2B5EF4-FFF2-40B4-BE49-F238E27FC236}">
-                <a16:creationId xmlns:a16="http://schemas.microsoft.com/office/drawing/2014/main" id="{7830FAE5-4761-C176-2BB8-F45E5B3EC20F}"/>
-              </a:ext>
-            </a:extLst>
-          </p:cNvPr>
-          <p:cNvSpPr txBox="1"/>
-          <p:nvPr/>
-        </p:nvSpPr>
-        <p:spPr>
-          <a:xfrm>
-            <a:off x="2185639" y="2921169"/>
-            <a:ext cx="4661210" cy="1015663"/>
-          </a:xfrm>
-          <a:prstGeom prst="rect">
-            <a:avLst/>
-          </a:prstGeom>
-          <a:noFill/>
-        </p:spPr>
-        <p:txBody>
-          <a:bodyPr wrap="square">
-            <a:spAutoFit/>
-          </a:bodyPr>
-          <a:lstStyle/>
-          <a:p>
-            <a:r>
-              <a:rPr lang="en-US" dirty="0"/>
-              <a:t>https://www.kaggle.com/code/stemproacademy/template-pdm-class2022/edit/run/106995541</a:t>
-            </a:r>
-          </a:p>
-        </p:txBody>
-      </p:sp>
-    </p:spTree>
-    <p:extLst>
-      <p:ext uri="{BB962C8B-B14F-4D97-AF65-F5344CB8AC3E}">
-        <p14:creationId xmlns:p14="http://schemas.microsoft.com/office/powerpoint/2010/main" val="3039269333"/>
       </p:ext>
     </p:extLst>
   </p:cSld>
@@ -6294,19 +6926,7 @@
             <a:pPr algn="l"/>
             <a:r>
               <a:rPr lang="en-US" sz="3000" b="1" dirty="0"/>
-              <a:t>For students who use Kaggle / </a:t>
-            </a:r>
-            <a:r>
-              <a:rPr lang="zh-CN" altLang="en-US" sz="3000" b="1" dirty="0"/>
-              <a:t>用</a:t>
-            </a:r>
-            <a:r>
-              <a:rPr lang="en-US" altLang="zh-CN" sz="3000" b="1" dirty="0"/>
-              <a:t>Kaggle</a:t>
-            </a:r>
-            <a:r>
-              <a:rPr lang="zh-CN" altLang="en-US" sz="3000" b="1" dirty="0"/>
-              <a:t>的同学：</a:t>
+              <a:t>10/09/2022</a:t>
             </a:r>
             <a:br>
               <a:rPr lang="en-US" sz="3000" b="1" dirty="0"/>
@@ -6316,7 +6936,7 @@
             </a:br>
             <a:r>
               <a:rPr lang="en-US" altLang="zh-CN" sz="3000" b="1" dirty="0"/>
-              <a:t>Link: </a:t>
+              <a:t>Welcome Back!</a:t>
             </a:r>
             <a:endParaRPr lang="en-US" sz="3000" dirty="0"/>
           </a:p>
@@ -6498,8 +7118,8 @@
         </p:nvSpPr>
         <p:spPr>
           <a:xfrm>
-            <a:off x="1003610" y="2921169"/>
-            <a:ext cx="7225990" cy="1015663"/>
+            <a:off x="2185639" y="2921169"/>
+            <a:ext cx="4661210" cy="1015663"/>
           </a:xfrm>
           <a:prstGeom prst="rect">
             <a:avLst/>
@@ -6514,7 +7134,7 @@
           <a:p>
             <a:r>
               <a:rPr lang="en-US" dirty="0"/>
-              <a:t> https://www.kaggle.com/code/stemproacademy/notebook179d1aedb9/edit</a:t>
+              <a:t>https://www.kaggle.com/code/stemproacademy/template-pdm-class2022/edit/run/106995541</a:t>
             </a:r>
           </a:p>
         </p:txBody>
@@ -6522,7 +7142,7 @@
     </p:spTree>
     <p:extLst>
       <p:ext uri="{BB962C8B-B14F-4D97-AF65-F5344CB8AC3E}">
-        <p14:creationId xmlns:p14="http://schemas.microsoft.com/office/powerpoint/2010/main" val="2698362477"/>
+        <p14:creationId xmlns:p14="http://schemas.microsoft.com/office/powerpoint/2010/main" val="3039269333"/>
       </p:ext>
     </p:extLst>
   </p:cSld>
@@ -6567,7 +7187,7 @@
         </p:nvSpPr>
         <p:spPr>
           <a:xfrm>
-            <a:off x="0" y="1116276"/>
+            <a:off x="1" y="1317753"/>
             <a:ext cx="9032488" cy="3521875"/>
           </a:xfrm>
         </p:spPr>
@@ -6580,7 +7200,19 @@
             <a:pPr algn="l"/>
             <a:r>
               <a:rPr lang="en-US" sz="3000" b="1" dirty="0"/>
-              <a:t>10/09/2022</a:t>
+              <a:t>For students who use Kaggle / </a:t>
+            </a:r>
+            <a:r>
+              <a:rPr lang="zh-CN" altLang="en-US" sz="3000" b="1" dirty="0"/>
+              <a:t>用</a:t>
+            </a:r>
+            <a:r>
+              <a:rPr lang="en-US" altLang="zh-CN" sz="3000" b="1" dirty="0"/>
+              <a:t>Kaggle</a:t>
+            </a:r>
+            <a:r>
+              <a:rPr lang="zh-CN" altLang="en-US" sz="3000" b="1" dirty="0"/>
+              <a:t>的同学：</a:t>
             </a:r>
             <a:br>
               <a:rPr lang="en-US" sz="3000" b="1" dirty="0"/>
@@ -6589,8 +7221,8 @@
               <a:rPr lang="en-US" sz="3000" b="1" dirty="0"/>
             </a:br>
             <a:r>
-              <a:rPr lang="en-US" sz="3000" b="1" dirty="0"/>
-              <a:t>Before we start: Any Questions?</a:t>
+              <a:rPr lang="en-US" altLang="zh-CN" sz="3000" b="1" dirty="0"/>
+              <a:t>Link: </a:t>
             </a:r>
             <a:endParaRPr lang="en-US" sz="3000" dirty="0"/>
           </a:p>
@@ -6716,10 +7348,10 @@
       </p:sp>
       <p:sp>
         <p:nvSpPr>
-          <p:cNvPr id="4" name="TextBox 3">
+          <p:cNvPr id="5" name="TextBox 4">
             <a:extLst>
               <a:ext uri="{FF2B5EF4-FFF2-40B4-BE49-F238E27FC236}">
-                <a16:creationId xmlns:a16="http://schemas.microsoft.com/office/drawing/2014/main" id="{24F4BEB2-D216-6235-C71A-7F1D428D4ACD}"/>
+                <a16:creationId xmlns:a16="http://schemas.microsoft.com/office/drawing/2014/main" id="{37FD2185-0182-EE83-3683-2C77442703F1}"/>
               </a:ext>
             </a:extLst>
           </p:cNvPr>
@@ -6758,10 +7390,45 @@
           </a:p>
         </p:txBody>
       </p:sp>
+      <p:sp>
+        <p:nvSpPr>
+          <p:cNvPr id="7" name="TextBox 6">
+            <a:extLst>
+              <a:ext uri="{FF2B5EF4-FFF2-40B4-BE49-F238E27FC236}">
+                <a16:creationId xmlns:a16="http://schemas.microsoft.com/office/drawing/2014/main" id="{7830FAE5-4761-C176-2BB8-F45E5B3EC20F}"/>
+              </a:ext>
+            </a:extLst>
+          </p:cNvPr>
+          <p:cNvSpPr txBox="1"/>
+          <p:nvPr/>
+        </p:nvSpPr>
+        <p:spPr>
+          <a:xfrm>
+            <a:off x="1003610" y="2921169"/>
+            <a:ext cx="7225990" cy="1015663"/>
+          </a:xfrm>
+          <a:prstGeom prst="rect">
+            <a:avLst/>
+          </a:prstGeom>
+          <a:noFill/>
+        </p:spPr>
+        <p:txBody>
+          <a:bodyPr wrap="square">
+            <a:spAutoFit/>
+          </a:bodyPr>
+          <a:lstStyle/>
+          <a:p>
+            <a:r>
+              <a:rPr lang="en-US" dirty="0"/>
+              <a:t> https://www.kaggle.com/code/stemproacademy/notebook179d1aedb9/edit</a:t>
+            </a:r>
+          </a:p>
+        </p:txBody>
+      </p:sp>
     </p:spTree>
     <p:extLst>
       <p:ext uri="{BB962C8B-B14F-4D97-AF65-F5344CB8AC3E}">
-        <p14:creationId xmlns:p14="http://schemas.microsoft.com/office/powerpoint/2010/main" val="1101209888"/>
+        <p14:creationId xmlns:p14="http://schemas.microsoft.com/office/powerpoint/2010/main" val="2698362477"/>
       </p:ext>
     </p:extLst>
   </p:cSld>
@@ -6806,96 +7473,32 @@
         </p:nvSpPr>
         <p:spPr>
           <a:xfrm>
-            <a:off x="0" y="857251"/>
-            <a:ext cx="9143999" cy="3982378"/>
+            <a:off x="0" y="1116276"/>
+            <a:ext cx="9032488" cy="3521875"/>
           </a:xfrm>
         </p:spPr>
         <p:txBody>
           <a:bodyPr>
-            <a:noAutofit/>
+            <a:normAutofit/>
           </a:bodyPr>
           <a:lstStyle/>
           <a:p>
             <a:pPr algn="l"/>
             <a:r>
-              <a:rPr lang="en-US" sz="2000" b="1" dirty="0"/>
-              <a:t>10/02/2022</a:t>
+              <a:rPr lang="en-US" sz="3000" b="1" dirty="0"/>
+              <a:t>10/09/2022</a:t>
             </a:r>
             <a:br>
-              <a:rPr lang="en-US" sz="2000" b="1" dirty="0"/>
+              <a:rPr lang="en-US" sz="3000" b="1" dirty="0"/>
             </a:br>
             <a:br>
-              <a:rPr lang="en-US" sz="2000" b="1" dirty="0"/>
+              <a:rPr lang="en-US" sz="3000" b="1" dirty="0"/>
             </a:br>
             <a:r>
-              <a:rPr lang="en-US" sz="2000" b="1" dirty="0"/>
-              <a:t>Today/</a:t>
-            </a:r>
-            <a:r>
-              <a:rPr lang="zh-CN" altLang="en-US" sz="2000" b="1" dirty="0"/>
-              <a:t>今天：</a:t>
-            </a:r>
-            <a:br>
-              <a:rPr lang="en-US" altLang="zh-CN" sz="2000" b="1" dirty="0"/>
-            </a:br>
-            <a:r>
-              <a:rPr lang="en-US" altLang="zh-CN" sz="2000" b="1" dirty="0"/>
-              <a:t>1). Review </a:t>
-            </a:r>
-            <a:r>
-              <a:rPr lang="en-US" altLang="zh-CN" sz="2000" b="1" dirty="0" err="1"/>
-              <a:t>Menu_A_a</a:t>
-            </a:r>
-            <a:r>
-              <a:rPr lang="en-US" altLang="zh-CN" sz="2000" b="1" dirty="0"/>
-              <a:t> </a:t>
-            </a:r>
-            <a:br>
-              <a:rPr lang="en-US" altLang="zh-CN" sz="2000" b="1" dirty="0"/>
-            </a:br>
-            <a:r>
-              <a:rPr lang="en-US" altLang="zh-CN" sz="2000" b="1" dirty="0"/>
-              <a:t>2). Engineering / Use our own Library / </a:t>
-            </a:r>
-            <a:r>
-              <a:rPr lang="zh-CN" altLang="en-US" sz="2000" b="1" dirty="0"/>
-              <a:t>用自己的工具库！</a:t>
-            </a:r>
-            <a:br>
-              <a:rPr lang="en-US" altLang="zh-CN" sz="2000" b="1" dirty="0"/>
-            </a:br>
-            <a:r>
-              <a:rPr lang="en-US" altLang="zh-CN" sz="2000" b="1" dirty="0"/>
-              <a:t>3). </a:t>
-            </a:r>
-            <a:r>
-              <a:rPr lang="en-US" altLang="zh-CN" sz="2000" b="1" dirty="0" err="1"/>
-              <a:t>Menu_B_b</a:t>
-            </a:r>
-            <a:r>
-              <a:rPr lang="zh-CN" altLang="en-US" sz="2000" b="1" dirty="0"/>
-              <a:t>： </a:t>
-            </a:r>
-            <a:r>
-              <a:rPr lang="en-US" altLang="zh-CN" sz="2000" b="1" dirty="0"/>
-              <a:t>EDA / </a:t>
-            </a:r>
-            <a:r>
-              <a:rPr lang="zh-CN" altLang="en-US" sz="2000" b="1" dirty="0"/>
-              <a:t>数据探索分析</a:t>
-            </a:r>
-            <a:br>
-              <a:rPr lang="en-US" altLang="zh-CN" sz="2000" b="1" dirty="0"/>
-            </a:br>
-            <a:r>
-              <a:rPr lang="en-US" altLang="zh-CN" sz="2000" b="1" dirty="0"/>
-              <a:t>4). Kaggle Version / Kaggle </a:t>
-            </a:r>
-            <a:r>
-              <a:rPr lang="zh-CN" altLang="en-US" sz="2000" b="1" dirty="0"/>
-              <a:t>类似流程</a:t>
-            </a:r>
-            <a:endParaRPr lang="en-US" sz="2000" dirty="0"/>
+              <a:rPr lang="en-US" sz="3000" b="1" dirty="0"/>
+              <a:t>Before we start: Any Questions?</a:t>
+            </a:r>
+            <a:endParaRPr lang="en-US" sz="3000" dirty="0"/>
           </a:p>
         </p:txBody>
       </p:sp>
@@ -6962,6 +7565,309 @@
         </p:nvSpPr>
         <p:spPr>
           <a:xfrm>
+            <a:off x="6668429" y="4638151"/>
+            <a:ext cx="2475571" cy="1015663"/>
+          </a:xfrm>
+          <a:prstGeom prst="rect">
+            <a:avLst/>
+          </a:prstGeom>
+          <a:noFill/>
+        </p:spPr>
+        <p:txBody>
+          <a:bodyPr wrap="square">
+            <a:spAutoFit/>
+          </a:bodyPr>
+          <a:lstStyle/>
+          <a:p>
+            <a:r>
+              <a:rPr lang="zh-CN" altLang="en-US" sz="1500" dirty="0"/>
+              <a:t>第一节：</a:t>
+            </a:r>
+            <a:r>
+              <a:rPr lang="en-US" sz="1500" dirty="0"/>
+              <a:t>8:30-9:15</a:t>
+            </a:r>
+          </a:p>
+          <a:p>
+            <a:r>
+              <a:rPr lang="zh-CN" altLang="en-US" sz="1500" dirty="0"/>
+              <a:t>第二节： </a:t>
+            </a:r>
+            <a:r>
+              <a:rPr lang="en-US" sz="1500" dirty="0"/>
+              <a:t>9:20-10:05</a:t>
+            </a:r>
+          </a:p>
+          <a:p>
+            <a:r>
+              <a:rPr lang="zh-CN" altLang="en-US" sz="1500" dirty="0"/>
+              <a:t>第三节： </a:t>
+            </a:r>
+            <a:r>
+              <a:rPr lang="en-US" sz="1500" dirty="0"/>
+              <a:t>10:15-11:00</a:t>
+            </a:r>
+          </a:p>
+          <a:p>
+            <a:r>
+              <a:rPr lang="zh-CN" altLang="en-US" sz="1500" dirty="0"/>
+              <a:t>第四节： </a:t>
+            </a:r>
+            <a:r>
+              <a:rPr lang="en-US" sz="1500" dirty="0"/>
+              <a:t>11:05-11:50</a:t>
+            </a:r>
+          </a:p>
+        </p:txBody>
+      </p:sp>
+      <p:sp>
+        <p:nvSpPr>
+          <p:cNvPr id="4" name="TextBox 3">
+            <a:extLst>
+              <a:ext uri="{FF2B5EF4-FFF2-40B4-BE49-F238E27FC236}">
+                <a16:creationId xmlns:a16="http://schemas.microsoft.com/office/drawing/2014/main" id="{24F4BEB2-D216-6235-C71A-7F1D428D4ACD}"/>
+              </a:ext>
+            </a:extLst>
+          </p:cNvPr>
+          <p:cNvSpPr txBox="1"/>
+          <p:nvPr/>
+        </p:nvSpPr>
+        <p:spPr>
+          <a:xfrm>
+            <a:off x="78059" y="103457"/>
+            <a:ext cx="7828156" cy="523220"/>
+          </a:xfrm>
+          <a:prstGeom prst="rect">
+            <a:avLst/>
+          </a:prstGeom>
+          <a:noFill/>
+        </p:spPr>
+        <p:txBody>
+          <a:bodyPr wrap="square">
+            <a:spAutoFit/>
+          </a:bodyPr>
+          <a:lstStyle/>
+          <a:p>
+            <a:r>
+              <a:rPr lang="en-US" altLang="zh-CN" sz="2800" b="1" dirty="0" err="1"/>
+              <a:t>Pmd</a:t>
+            </a:r>
+            <a:r>
+              <a:rPr lang="en-US" altLang="zh-CN" sz="2800" b="1" dirty="0"/>
+              <a:t> Logistics / </a:t>
+            </a:r>
+            <a:r>
+              <a:rPr lang="zh-CN" altLang="en-US" sz="2800" b="1" dirty="0"/>
+              <a:t>预备</a:t>
+            </a:r>
+            <a:endParaRPr lang="en-US" sz="2800" dirty="0"/>
+          </a:p>
+        </p:txBody>
+      </p:sp>
+    </p:spTree>
+    <p:extLst>
+      <p:ext uri="{BB962C8B-B14F-4D97-AF65-F5344CB8AC3E}">
+        <p14:creationId xmlns:p14="http://schemas.microsoft.com/office/powerpoint/2010/main" val="1101209888"/>
+      </p:ext>
+    </p:extLst>
+  </p:cSld>
+  <p:clrMapOvr>
+    <a:masterClrMapping/>
+  </p:clrMapOvr>
+</p:sld>
+</file>
+
+<file path=ppt/slides/slide7.xml><?xml version="1.0" encoding="utf-8"?>
+<p:sld xmlns:a="http://schemas.openxmlformats.org/drawingml/2006/main" xmlns:r="http://schemas.openxmlformats.org/officeDocument/2006/relationships" xmlns:p="http://schemas.openxmlformats.org/presentationml/2006/main">
+  <p:cSld>
+    <p:spTree>
+      <p:nvGrpSpPr>
+        <p:cNvPr id="1" name=""/>
+        <p:cNvGrpSpPr/>
+        <p:nvPr/>
+      </p:nvGrpSpPr>
+      <p:grpSpPr>
+        <a:xfrm>
+          <a:off x="0" y="0"/>
+          <a:ext cx="0" cy="0"/>
+          <a:chOff x="0" y="0"/>
+          <a:chExt cx="0" cy="0"/>
+        </a:xfrm>
+      </p:grpSpPr>
+      <p:sp>
+        <p:nvSpPr>
+          <p:cNvPr id="2" name="Title 1">
+            <a:extLst>
+              <a:ext uri="{FF2B5EF4-FFF2-40B4-BE49-F238E27FC236}">
+                <a16:creationId xmlns:a16="http://schemas.microsoft.com/office/drawing/2014/main" id="{F19762D9-7C7C-B5F0-5954-BEF25A6623EA}"/>
+              </a:ext>
+            </a:extLst>
+          </p:cNvPr>
+          <p:cNvSpPr>
+            <a:spLocks noGrp="1"/>
+          </p:cNvSpPr>
+          <p:nvPr>
+            <p:ph type="ctrTitle"/>
+          </p:nvPr>
+        </p:nvSpPr>
+        <p:spPr>
+          <a:xfrm>
+            <a:off x="0" y="857251"/>
+            <a:ext cx="9143999" cy="3982378"/>
+          </a:xfrm>
+        </p:spPr>
+        <p:txBody>
+          <a:bodyPr>
+            <a:noAutofit/>
+          </a:bodyPr>
+          <a:lstStyle/>
+          <a:p>
+            <a:pPr algn="l"/>
+            <a:r>
+              <a:rPr lang="en-US" sz="2000" b="1" dirty="0"/>
+              <a:t>10/02/2022</a:t>
+            </a:r>
+            <a:br>
+              <a:rPr lang="en-US" sz="2000" b="1" dirty="0"/>
+            </a:br>
+            <a:br>
+              <a:rPr lang="en-US" sz="2000" b="1" dirty="0"/>
+            </a:br>
+            <a:r>
+              <a:rPr lang="en-US" sz="2000" b="1" dirty="0"/>
+              <a:t>Today/</a:t>
+            </a:r>
+            <a:r>
+              <a:rPr lang="zh-CN" altLang="en-US" sz="2000" b="1" dirty="0"/>
+              <a:t>今天：</a:t>
+            </a:r>
+            <a:br>
+              <a:rPr lang="en-US" altLang="zh-CN" sz="2000" b="1" dirty="0"/>
+            </a:br>
+            <a:r>
+              <a:rPr lang="en-US" altLang="zh-CN" sz="2000" b="1" dirty="0"/>
+              <a:t>1). Review </a:t>
+            </a:r>
+            <a:r>
+              <a:rPr lang="en-US" altLang="zh-CN" sz="2000" b="1" dirty="0" err="1"/>
+              <a:t>Menu_A_a</a:t>
+            </a:r>
+            <a:r>
+              <a:rPr lang="en-US" altLang="zh-CN" sz="2000" b="1" dirty="0"/>
+              <a:t> </a:t>
+            </a:r>
+            <a:br>
+              <a:rPr lang="en-US" altLang="zh-CN" sz="2000" b="1" dirty="0"/>
+            </a:br>
+            <a:r>
+              <a:rPr lang="en-US" altLang="zh-CN" sz="2000" b="1" dirty="0"/>
+              <a:t>2). Engineering / Use our own Library / </a:t>
+            </a:r>
+            <a:r>
+              <a:rPr lang="zh-CN" altLang="en-US" sz="2000" b="1" dirty="0"/>
+              <a:t>用自己的工具库！</a:t>
+            </a:r>
+            <a:br>
+              <a:rPr lang="en-US" altLang="zh-CN" sz="2000" b="1" dirty="0"/>
+            </a:br>
+            <a:r>
+              <a:rPr lang="en-US" altLang="zh-CN" sz="2000" b="1" dirty="0"/>
+              <a:t>3). </a:t>
+            </a:r>
+            <a:r>
+              <a:rPr lang="en-US" altLang="zh-CN" sz="2000" b="1" dirty="0" err="1"/>
+              <a:t>Menu_B_b</a:t>
+            </a:r>
+            <a:r>
+              <a:rPr lang="zh-CN" altLang="en-US" sz="2000" b="1" dirty="0"/>
+              <a:t>： </a:t>
+            </a:r>
+            <a:r>
+              <a:rPr lang="en-US" altLang="zh-CN" sz="2000" b="1" dirty="0"/>
+              <a:t>EDA / </a:t>
+            </a:r>
+            <a:r>
+              <a:rPr lang="zh-CN" altLang="en-US" sz="2000" b="1" dirty="0"/>
+              <a:t>数据探索分析</a:t>
+            </a:r>
+            <a:br>
+              <a:rPr lang="en-US" altLang="zh-CN" sz="2000" b="1" dirty="0"/>
+            </a:br>
+            <a:r>
+              <a:rPr lang="en-US" altLang="zh-CN" sz="2000" b="1" dirty="0"/>
+              <a:t>4). Kaggle Version / Kaggle </a:t>
+            </a:r>
+            <a:r>
+              <a:rPr lang="zh-CN" altLang="en-US" sz="2000" b="1" dirty="0"/>
+              <a:t>类似流程</a:t>
+            </a:r>
+            <a:endParaRPr lang="en-US" sz="2000" dirty="0"/>
+          </a:p>
+        </p:txBody>
+      </p:sp>
+      <p:sp>
+        <p:nvSpPr>
+          <p:cNvPr id="3" name="TextBox 2">
+            <a:extLst>
+              <a:ext uri="{FF2B5EF4-FFF2-40B4-BE49-F238E27FC236}">
+                <a16:creationId xmlns:a16="http://schemas.microsoft.com/office/drawing/2014/main" id="{AF8FC9BB-9DB2-095C-1565-78DB9BCA5227}"/>
+              </a:ext>
+            </a:extLst>
+          </p:cNvPr>
+          <p:cNvSpPr txBox="1"/>
+          <p:nvPr/>
+        </p:nvSpPr>
+        <p:spPr>
+          <a:xfrm>
+            <a:off x="7165428" y="857250"/>
+            <a:ext cx="1978573" cy="323165"/>
+          </a:xfrm>
+          <a:prstGeom prst="rect">
+            <a:avLst/>
+          </a:prstGeom>
+          <a:noFill/>
+        </p:spPr>
+        <p:txBody>
+          <a:bodyPr wrap="square" rtlCol="0">
+            <a:spAutoFit/>
+          </a:bodyPr>
+          <a:lstStyle/>
+          <a:p>
+            <a:pPr algn="r"/>
+            <a:r>
+              <a:rPr lang="en-US" altLang="zh-CN" sz="1500" dirty="0">
+                <a:solidFill>
+                  <a:schemeClr val="bg1">
+                    <a:lumMod val="85000"/>
+                  </a:schemeClr>
+                </a:solidFill>
+              </a:rPr>
+              <a:t>AAFIE, 2022</a:t>
+            </a:r>
+            <a:endParaRPr lang="en-US" sz="1500" dirty="0">
+              <a:solidFill>
+                <a:schemeClr val="bg1">
+                  <a:lumMod val="85000"/>
+                </a:schemeClr>
+              </a:solidFill>
+            </a:endParaRPr>
+          </a:p>
+        </p:txBody>
+      </p:sp>
+      <p:sp>
+        <p:nvSpPr>
+          <p:cNvPr id="6" name="TextBox 5">
+            <a:extLst>
+              <a:ext uri="{FF2B5EF4-FFF2-40B4-BE49-F238E27FC236}">
+                <a16:creationId xmlns:a16="http://schemas.microsoft.com/office/drawing/2014/main" id="{F46F599D-4A46-30EB-7FF9-190285EB25B6}"/>
+              </a:ext>
+            </a:extLst>
+          </p:cNvPr>
+          <p:cNvSpPr txBox="1"/>
+          <p:nvPr/>
+        </p:nvSpPr>
+        <p:spPr>
+          <a:xfrm>
             <a:off x="6668428" y="5273770"/>
             <a:ext cx="2475571" cy="1015663"/>
           </a:xfrm>
@@ -7074,7 +7980,7 @@
 </p:sld>
 </file>
 
-<file path=ppt/slides/slide7.xml><?xml version="1.0" encoding="utf-8"?>
+<file path=ppt/slides/slide8.xml><?xml version="1.0" encoding="utf-8"?>
 <p:sld xmlns:a="http://schemas.openxmlformats.org/drawingml/2006/main" xmlns:r="http://schemas.openxmlformats.org/officeDocument/2006/relationships" xmlns:p="http://schemas.openxmlformats.org/presentationml/2006/main">
   <p:cSld>
     <p:spTree>
@@ -7435,7 +8341,7 @@
 </p:sld>
 </file>
 
-<file path=ppt/slides/slide8.xml><?xml version="1.0" encoding="utf-8"?>
+<file path=ppt/slides/slide9.xml><?xml version="1.0" encoding="utf-8"?>
 <p:sld xmlns:a="http://schemas.openxmlformats.org/drawingml/2006/main" xmlns:r="http://schemas.openxmlformats.org/officeDocument/2006/relationships" xmlns:p="http://schemas.openxmlformats.org/presentationml/2006/main">
   <p:cSld>
     <p:spTree>
@@ -7668,413 +8574,6 @@
     <p:extLst>
       <p:ext uri="{BB962C8B-B14F-4D97-AF65-F5344CB8AC3E}">
         <p14:creationId xmlns:p14="http://schemas.microsoft.com/office/powerpoint/2010/main" val="2306522070"/>
-      </p:ext>
-    </p:extLst>
-  </p:cSld>
-  <p:clrMapOvr>
-    <a:masterClrMapping/>
-  </p:clrMapOvr>
-</p:sld>
-</file>
-
-<file path=ppt/slides/slide9.xml><?xml version="1.0" encoding="utf-8"?>
-<p:sld xmlns:a="http://schemas.openxmlformats.org/drawingml/2006/main" xmlns:r="http://schemas.openxmlformats.org/officeDocument/2006/relationships" xmlns:p="http://schemas.openxmlformats.org/presentationml/2006/main">
-  <p:cSld>
-    <p:spTree>
-      <p:nvGrpSpPr>
-        <p:cNvPr id="1" name=""/>
-        <p:cNvGrpSpPr/>
-        <p:nvPr/>
-      </p:nvGrpSpPr>
-      <p:grpSpPr>
-        <a:xfrm>
-          <a:off x="0" y="0"/>
-          <a:ext cx="0" cy="0"/>
-          <a:chOff x="0" y="0"/>
-          <a:chExt cx="0" cy="0"/>
-        </a:xfrm>
-      </p:grpSpPr>
-      <p:sp>
-        <p:nvSpPr>
-          <p:cNvPr id="3" name="TextBox 2">
-            <a:extLst>
-              <a:ext uri="{FF2B5EF4-FFF2-40B4-BE49-F238E27FC236}">
-                <a16:creationId xmlns:a16="http://schemas.microsoft.com/office/drawing/2014/main" id="{AF8FC9BB-9DB2-095C-1565-78DB9BCA5227}"/>
-              </a:ext>
-            </a:extLst>
-          </p:cNvPr>
-          <p:cNvSpPr txBox="1"/>
-          <p:nvPr/>
-        </p:nvSpPr>
-        <p:spPr>
-          <a:xfrm>
-            <a:off x="7165428" y="857250"/>
-            <a:ext cx="1978573" cy="323165"/>
-          </a:xfrm>
-          <a:prstGeom prst="rect">
-            <a:avLst/>
-          </a:prstGeom>
-          <a:noFill/>
-        </p:spPr>
-        <p:txBody>
-          <a:bodyPr wrap="square" rtlCol="0">
-            <a:spAutoFit/>
-          </a:bodyPr>
-          <a:lstStyle/>
-          <a:p>
-            <a:pPr algn="r"/>
-            <a:r>
-              <a:rPr lang="en-US" altLang="zh-CN" sz="1500" dirty="0">
-                <a:solidFill>
-                  <a:schemeClr val="bg1">
-                    <a:lumMod val="85000"/>
-                  </a:schemeClr>
-                </a:solidFill>
-              </a:rPr>
-              <a:t>AAFIE, 2022</a:t>
-            </a:r>
-            <a:endParaRPr lang="en-US" sz="1500" dirty="0">
-              <a:solidFill>
-                <a:schemeClr val="bg1">
-                  <a:lumMod val="85000"/>
-                </a:schemeClr>
-              </a:solidFill>
-            </a:endParaRPr>
-          </a:p>
-        </p:txBody>
-      </p:sp>
-      <p:sp>
-        <p:nvSpPr>
-          <p:cNvPr id="10" name="Rectangle 9">
-            <a:extLst>
-              <a:ext uri="{FF2B5EF4-FFF2-40B4-BE49-F238E27FC236}">
-                <a16:creationId xmlns:a16="http://schemas.microsoft.com/office/drawing/2014/main" id="{1510A9D2-9B0F-CE65-A9E9-831F782E8464}"/>
-              </a:ext>
-            </a:extLst>
-          </p:cNvPr>
-          <p:cNvSpPr/>
-          <p:nvPr/>
-        </p:nvSpPr>
-        <p:spPr>
-          <a:xfrm>
-            <a:off x="635619" y="247842"/>
-            <a:ext cx="8601879" cy="523220"/>
-          </a:xfrm>
-          <a:prstGeom prst="rect">
-            <a:avLst/>
-          </a:prstGeom>
-        </p:spPr>
-        <p:txBody>
-          <a:bodyPr wrap="square">
-            <a:spAutoFit/>
-          </a:bodyPr>
-          <a:lstStyle/>
-          <a:p>
-            <a:r>
-              <a:rPr lang="en-US" altLang="zh-CN" sz="2800" dirty="0"/>
-              <a:t>In-class project introduction </a:t>
-            </a:r>
-            <a:r>
-              <a:rPr lang="zh-CN" altLang="en-US" sz="2800" dirty="0"/>
-              <a:t>课堂项目介绍</a:t>
-            </a:r>
-            <a:endParaRPr lang="en-US" sz="3600" dirty="0">
-              <a:latin typeface="+mn-lt"/>
-            </a:endParaRPr>
-          </a:p>
-        </p:txBody>
-      </p:sp>
-      <p:sp>
-        <p:nvSpPr>
-          <p:cNvPr id="6" name="TextBox 5">
-            <a:extLst>
-              <a:ext uri="{FF2B5EF4-FFF2-40B4-BE49-F238E27FC236}">
-                <a16:creationId xmlns:a16="http://schemas.microsoft.com/office/drawing/2014/main" id="{23EB4840-530F-8777-5214-45EA32B6695E}"/>
-              </a:ext>
-            </a:extLst>
-          </p:cNvPr>
-          <p:cNvSpPr txBox="1"/>
-          <p:nvPr/>
-        </p:nvSpPr>
-        <p:spPr>
-          <a:xfrm>
-            <a:off x="390329" y="980360"/>
-            <a:ext cx="8601879" cy="400110"/>
-          </a:xfrm>
-          <a:prstGeom prst="rect">
-            <a:avLst/>
-          </a:prstGeom>
-          <a:noFill/>
-        </p:spPr>
-        <p:txBody>
-          <a:bodyPr wrap="square">
-            <a:spAutoFit/>
-          </a:bodyPr>
-          <a:lstStyle/>
-          <a:p>
-            <a:r>
-              <a:rPr lang="en-US" b="1" i="0" dirty="0">
-                <a:solidFill>
-                  <a:srgbClr val="202124"/>
-                </a:solidFill>
-                <a:effectLst/>
-                <a:latin typeface="Roboto" panose="02000000000000000000" pitchFamily="2" charset="0"/>
-              </a:rPr>
-              <a:t>Datasets / </a:t>
-            </a:r>
-            <a:r>
-              <a:rPr lang="zh-CN" altLang="en-US" b="1" i="0" dirty="0">
-                <a:solidFill>
-                  <a:srgbClr val="202124"/>
-                </a:solidFill>
-                <a:effectLst/>
-                <a:latin typeface="Roboto" panose="02000000000000000000" pitchFamily="2" charset="0"/>
-              </a:rPr>
-              <a:t>数据包</a:t>
-            </a:r>
-            <a:endParaRPr lang="en-US" b="1" i="0" dirty="0">
-              <a:solidFill>
-                <a:srgbClr val="202124"/>
-              </a:solidFill>
-              <a:effectLst/>
-              <a:latin typeface="Roboto" panose="02000000000000000000" pitchFamily="2" charset="0"/>
-            </a:endParaRPr>
-          </a:p>
-        </p:txBody>
-      </p:sp>
-      <p:sp>
-        <p:nvSpPr>
-          <p:cNvPr id="4" name="TextBox 3">
-            <a:extLst>
-              <a:ext uri="{FF2B5EF4-FFF2-40B4-BE49-F238E27FC236}">
-                <a16:creationId xmlns:a16="http://schemas.microsoft.com/office/drawing/2014/main" id="{A5D64B3B-5342-7537-6B7B-8848073B32CB}"/>
-              </a:ext>
-            </a:extLst>
-          </p:cNvPr>
-          <p:cNvSpPr txBox="1"/>
-          <p:nvPr/>
-        </p:nvSpPr>
-        <p:spPr>
-          <a:xfrm>
-            <a:off x="1261586" y="1433644"/>
-            <a:ext cx="6112564" cy="400110"/>
-          </a:xfrm>
-          <a:prstGeom prst="rect">
-            <a:avLst/>
-          </a:prstGeom>
-          <a:noFill/>
-        </p:spPr>
-        <p:txBody>
-          <a:bodyPr wrap="square">
-            <a:spAutoFit/>
-          </a:bodyPr>
-          <a:lstStyle/>
-          <a:p>
-            <a:pPr algn="ctr"/>
-            <a:r>
-              <a:rPr lang="en-US" altLang="zh-CN" b="1" i="0" dirty="0">
-                <a:solidFill>
-                  <a:srgbClr val="202124"/>
-                </a:solidFill>
-                <a:effectLst/>
-                <a:latin typeface="Roboto" panose="02000000000000000000" pitchFamily="2" charset="0"/>
-              </a:rPr>
-              <a:t>Meta</a:t>
-            </a:r>
-            <a:r>
-              <a:rPr lang="en-US" altLang="zh-CN" dirty="0">
-                <a:solidFill>
-                  <a:srgbClr val="202124"/>
-                </a:solidFill>
-                <a:latin typeface="Roboto" panose="02000000000000000000" pitchFamily="2" charset="0"/>
-              </a:rPr>
-              <a:t>data</a:t>
-            </a:r>
-            <a:r>
-              <a:rPr lang="zh-CN" altLang="en-US" dirty="0">
-                <a:solidFill>
-                  <a:srgbClr val="202124"/>
-                </a:solidFill>
-                <a:latin typeface="Roboto" panose="02000000000000000000" pitchFamily="2" charset="0"/>
-              </a:rPr>
-              <a:t> </a:t>
-            </a:r>
-            <a:r>
-              <a:rPr lang="en-US" altLang="zh-CN" dirty="0">
-                <a:solidFill>
-                  <a:srgbClr val="202124"/>
-                </a:solidFill>
-                <a:latin typeface="Roboto" panose="02000000000000000000" pitchFamily="2" charset="0"/>
-              </a:rPr>
-              <a:t>about</a:t>
-            </a:r>
-            <a:r>
-              <a:rPr lang="zh-CN" altLang="en-US" dirty="0">
-                <a:solidFill>
-                  <a:srgbClr val="202124"/>
-                </a:solidFill>
-                <a:latin typeface="Roboto" panose="02000000000000000000" pitchFamily="2" charset="0"/>
-              </a:rPr>
-              <a:t> </a:t>
-            </a:r>
-            <a:r>
-              <a:rPr lang="en-US" altLang="zh-CN" dirty="0">
-                <a:solidFill>
-                  <a:srgbClr val="202124"/>
-                </a:solidFill>
-                <a:latin typeface="Roboto" panose="02000000000000000000" pitchFamily="2" charset="0"/>
-              </a:rPr>
-              <a:t>C-MAPSS / C-MAPSS </a:t>
-            </a:r>
-            <a:r>
-              <a:rPr lang="zh-CN" altLang="en-US" dirty="0">
-                <a:solidFill>
-                  <a:srgbClr val="202124"/>
-                </a:solidFill>
-                <a:latin typeface="Roboto" panose="02000000000000000000" pitchFamily="2" charset="0"/>
-              </a:rPr>
-              <a:t>元数据</a:t>
-            </a:r>
-            <a:endParaRPr lang="en-US" b="1" i="0" dirty="0">
-              <a:solidFill>
-                <a:srgbClr val="202124"/>
-              </a:solidFill>
-              <a:effectLst/>
-              <a:latin typeface="Roboto" panose="02000000000000000000" pitchFamily="2" charset="0"/>
-            </a:endParaRPr>
-          </a:p>
-        </p:txBody>
-      </p:sp>
-      <p:graphicFrame>
-        <p:nvGraphicFramePr>
-          <p:cNvPr id="7" name="Object 6">
-            <a:extLst>
-              <a:ext uri="{FF2B5EF4-FFF2-40B4-BE49-F238E27FC236}">
-                <a16:creationId xmlns:a16="http://schemas.microsoft.com/office/drawing/2014/main" id="{A3F1E75D-05F9-70D7-DA06-643D39A87304}"/>
-              </a:ext>
-            </a:extLst>
-          </p:cNvPr>
-          <p:cNvGraphicFramePr>
-            <a:graphicFrameLocks noChangeAspect="1"/>
-          </p:cNvGraphicFramePr>
-          <p:nvPr>
-            <p:extLst>
-              <p:ext uri="{D42A27DB-BD31-4B8C-83A1-F6EECF244321}">
-                <p14:modId xmlns:p14="http://schemas.microsoft.com/office/powerpoint/2010/main" val="3557594322"/>
-              </p:ext>
-            </p:extLst>
-          </p:nvPr>
-        </p:nvGraphicFramePr>
-        <p:xfrm>
-          <a:off x="1052865" y="3905966"/>
-          <a:ext cx="7098474" cy="1925798"/>
-        </p:xfrm>
-        <a:graphic>
-          <a:graphicData uri="http://schemas.openxmlformats.org/presentationml/2006/ole">
-            <mc:AlternateContent xmlns:mc="http://schemas.openxmlformats.org/markup-compatibility/2006">
-              <mc:Choice xmlns:v="urn:schemas-microsoft-com:vml" Requires="v">
-                <p:oleObj name="Worksheet" r:id="rId2" imgW="7267515" imgH="1971806" progId="Excel.Sheet.12">
-                  <p:embed/>
-                </p:oleObj>
-              </mc:Choice>
-              <mc:Fallback>
-                <p:oleObj name="Worksheet" r:id="rId2" imgW="7267515" imgH="1971806" progId="Excel.Sheet.12">
-                  <p:embed/>
-                  <p:pic>
-                    <p:nvPicPr>
-                      <p:cNvPr id="0" name=""/>
-                      <p:cNvPicPr/>
-                      <p:nvPr/>
-                    </p:nvPicPr>
-                    <p:blipFill>
-                      <a:blip r:embed="rId3"/>
-                      <a:stretch>
-                        <a:fillRect/>
-                      </a:stretch>
-                    </p:blipFill>
-                    <p:spPr>
-                      <a:xfrm>
-                        <a:off x="1052865" y="3905966"/>
-                        <a:ext cx="7098474" cy="1925798"/>
-                      </a:xfrm>
-                      <a:prstGeom prst="rect">
-                        <a:avLst/>
-                      </a:prstGeom>
-                    </p:spPr>
-                  </p:pic>
-                </p:oleObj>
-              </mc:Fallback>
-            </mc:AlternateContent>
-          </a:graphicData>
-        </a:graphic>
-      </p:graphicFrame>
-      <p:graphicFrame>
-        <p:nvGraphicFramePr>
-          <p:cNvPr id="8" name="Object 7">
-            <a:extLst>
-              <a:ext uri="{FF2B5EF4-FFF2-40B4-BE49-F238E27FC236}">
-                <a16:creationId xmlns:a16="http://schemas.microsoft.com/office/drawing/2014/main" id="{D184389F-6BFC-002D-32D3-5987234EB5A2}"/>
-              </a:ext>
-            </a:extLst>
-          </p:cNvPr>
-          <p:cNvGraphicFramePr>
-            <a:graphicFrameLocks noChangeAspect="1"/>
-          </p:cNvGraphicFramePr>
-          <p:nvPr>
-            <p:extLst>
-              <p:ext uri="{D42A27DB-BD31-4B8C-83A1-F6EECF244321}">
-                <p14:modId xmlns:p14="http://schemas.microsoft.com/office/powerpoint/2010/main" val="1960216610"/>
-              </p:ext>
-            </p:extLst>
-          </p:nvPr>
-        </p:nvGraphicFramePr>
-        <p:xfrm>
-          <a:off x="1052864" y="1912806"/>
-          <a:ext cx="7098474" cy="1793104"/>
-        </p:xfrm>
-        <a:graphic>
-          <a:graphicData uri="http://schemas.openxmlformats.org/presentationml/2006/ole">
-            <mc:AlternateContent xmlns:mc="http://schemas.openxmlformats.org/markup-compatibility/2006">
-              <mc:Choice xmlns:v="urn:schemas-microsoft-com:vml" Requires="v">
-                <p:oleObj name="Worksheet" r:id="rId4" imgW="11353756" imgH="2867010" progId="Excel.Sheet.12">
-                  <p:embed/>
-                </p:oleObj>
-              </mc:Choice>
-              <mc:Fallback>
-                <p:oleObj name="Worksheet" r:id="rId4" imgW="11353756" imgH="2867010" progId="Excel.Sheet.12">
-                  <p:embed/>
-                  <p:pic>
-                    <p:nvPicPr>
-                      <p:cNvPr id="0" name=""/>
-                      <p:cNvPicPr/>
-                      <p:nvPr/>
-                    </p:nvPicPr>
-                    <p:blipFill>
-                      <a:blip r:embed="rId5"/>
-                      <a:stretch>
-                        <a:fillRect/>
-                      </a:stretch>
-                    </p:blipFill>
-                    <p:spPr>
-                      <a:xfrm>
-                        <a:off x="1052864" y="1912806"/>
-                        <a:ext cx="7098474" cy="1793104"/>
-                      </a:xfrm>
-                      <a:prstGeom prst="rect">
-                        <a:avLst/>
-                      </a:prstGeom>
-                    </p:spPr>
-                  </p:pic>
-                </p:oleObj>
-              </mc:Fallback>
-            </mc:AlternateContent>
-          </a:graphicData>
-        </a:graphic>
-      </p:graphicFrame>
-    </p:spTree>
-    <p:extLst>
-      <p:ext uri="{BB962C8B-B14F-4D97-AF65-F5344CB8AC3E}">
-        <p14:creationId xmlns:p14="http://schemas.microsoft.com/office/powerpoint/2010/main" val="251924233"/>
       </p:ext>
     </p:extLst>
   </p:cSld>
